--- a/Vue.js培训.pptx
+++ b/Vue.js培训.pptx
@@ -10,16 +10,19 @@
   <p:sldIdLst>
     <p:sldId id="257" r:id="rId3"/>
     <p:sldId id="281" r:id="rId5"/>
-    <p:sldId id="261" r:id="rId6"/>
-    <p:sldId id="282" r:id="rId7"/>
-    <p:sldId id="264" r:id="rId8"/>
-    <p:sldId id="265" r:id="rId9"/>
-    <p:sldId id="267" r:id="rId10"/>
-    <p:sldId id="269" r:id="rId11"/>
-    <p:sldId id="270" r:id="rId12"/>
-    <p:sldId id="275" r:id="rId13"/>
-    <p:sldId id="276" r:id="rId14"/>
-    <p:sldId id="260" r:id="rId15"/>
+    <p:sldId id="292" r:id="rId6"/>
+    <p:sldId id="293" r:id="rId7"/>
+    <p:sldId id="294" r:id="rId8"/>
+    <p:sldId id="295" r:id="rId9"/>
+    <p:sldId id="296" r:id="rId10"/>
+    <p:sldId id="297" r:id="rId11"/>
+    <p:sldId id="261" r:id="rId12"/>
+    <p:sldId id="282" r:id="rId13"/>
+    <p:sldId id="264" r:id="rId14"/>
+    <p:sldId id="265" r:id="rId15"/>
+    <p:sldId id="269" r:id="rId16"/>
+    <p:sldId id="270" r:id="rId17"/>
+    <p:sldId id="260" r:id="rId18"/>
   </p:sldIdLst>
   <p:sldSz cx="12192000" cy="6858000"/>
   <p:notesSz cx="6858000" cy="9144000"/>
@@ -4849,6 +4852,39 @@
       <p:grpSpPr/>
       <p:sp>
         <p:nvSpPr>
+          <p:cNvPr id="2" name="标题 1"/>
+          <p:cNvSpPr>
+            <a:spLocks noGrp="1"/>
+          </p:cNvSpPr>
+          <p:nvPr>
+            <p:ph type="title"/>
+          </p:nvPr>
+        </p:nvSpPr>
+        <p:spPr>
+          <a:xfrm>
+            <a:off x="881380" y="377825"/>
+            <a:ext cx="10142220" cy="1325880"/>
+          </a:xfrm>
+        </p:spPr>
+        <p:txBody>
+          <a:bodyPr>
+            <a:normAutofit/>
+          </a:bodyPr>
+          <a:p>
+            <a:r>
+              <a:rPr lang="en-US" altLang="zh-CN"/>
+              <a:t>2.2 Vue</a:t>
+            </a:r>
+            <a:r>
+              <a:rPr lang="zh-CN" altLang="en-US"/>
+              <a:t>的优点</a:t>
+            </a:r>
+            <a:endParaRPr lang="zh-CN" altLang="en-US"/>
+          </a:p>
+        </p:txBody>
+      </p:sp>
+      <p:sp>
+        <p:nvSpPr>
           <p:cNvPr id="3" name="内容占位符 2"/>
           <p:cNvSpPr>
             <a:spLocks noGrp="1"/>
@@ -4859,8 +4895,8 @@
         </p:nvSpPr>
         <p:spPr>
           <a:xfrm>
-            <a:off x="838200" y="1702435"/>
-            <a:ext cx="10515600" cy="2207260"/>
+            <a:off x="1496060" y="1580515"/>
+            <a:ext cx="8405495" cy="5165090"/>
           </a:xfrm>
         </p:spPr>
         <p:txBody>
@@ -4872,64 +4908,704 @@
               <a:buNone/>
             </a:pPr>
             <a:r>
-              <a:rPr lang="en-US"/>
-              <a:t>1.规则</a:t>
-            </a:r>
-            <a:endParaRPr lang="en-US"/>
+              <a:rPr lang="en-US" altLang="zh-CN"/>
+              <a:t>1.轻量级框架</a:t>
+            </a:r>
+            <a:endParaRPr lang="en-US" altLang="zh-CN"/>
           </a:p>
           <a:p>
             <a:pPr marL="0" indent="0">
               <a:buNone/>
             </a:pPr>
             <a:r>
-              <a:rPr lang="en-US" sz="1800">
+              <a:rPr lang="en-US" altLang="zh-CN"/>
+              <a:t>2.</a:t>
+            </a:r>
+            <a:r>
+              <a:rPr lang="zh-CN" altLang="en-US"/>
+              <a:t>简单易学</a:t>
+            </a:r>
+            <a:endParaRPr lang="en-US" altLang="zh-CN" sz="1800"/>
+          </a:p>
+          <a:p>
+            <a:pPr marL="0" indent="0">
+              <a:buNone/>
+            </a:pPr>
+            <a:r>
+              <a:rPr lang="en-US" altLang="zh-CN"/>
+              <a:t>3.组件化</a:t>
+            </a:r>
+            <a:endParaRPr lang="en-US" altLang="zh-CN" sz="1800"/>
+          </a:p>
+          <a:p>
+            <a:pPr marL="0" indent="0">
+              <a:buNone/>
+            </a:pPr>
+            <a:r>
+              <a:rPr lang="en-US" altLang="zh-CN"/>
+              <a:t>4.视图,数据,结构分离</a:t>
+            </a:r>
+            <a:r>
+              <a:rPr lang="zh-CN" altLang="en-US"/>
+              <a:t>（</a:t>
+            </a:r>
+            <a:r>
+              <a:rPr lang="en-US" altLang="zh-CN"/>
+              <a:t>MVVM</a:t>
+            </a:r>
+            <a:r>
+              <a:rPr lang="zh-CN" altLang="en-US"/>
+              <a:t>）</a:t>
+            </a:r>
+            <a:endParaRPr lang="en-US" altLang="zh-CN"/>
+          </a:p>
+          <a:p>
+            <a:pPr marL="0" indent="0">
+              <a:buNone/>
+            </a:pPr>
+            <a:r>
+              <a:rPr lang="en-US" altLang="zh-CN"/>
+              <a:t>5.运行速度更快</a:t>
+            </a:r>
+            <a:endParaRPr lang="en-US" altLang="zh-CN"/>
+          </a:p>
+          <a:p>
+            <a:pPr marL="0" indent="0">
+              <a:buNone/>
+            </a:pPr>
+            <a:r>
+              <a:rPr lang="en-US" altLang="zh-CN">
+                <a:sym typeface="+mn-ea"/>
+              </a:rPr>
+              <a:t>6.</a:t>
+            </a:r>
+            <a:r>
+              <a:rPr lang="zh-CN" altLang="en-US">
+                <a:sym typeface="+mn-ea"/>
+              </a:rPr>
+              <a:t>双向数据绑定</a:t>
+            </a:r>
+            <a:endParaRPr lang="zh-CN" altLang="en-US"/>
+          </a:p>
+          <a:p>
+            <a:pPr marL="0" indent="0">
+              <a:buNone/>
+            </a:pPr>
+            <a:r>
+              <a:rPr lang="en-US" altLang="zh-CN">
+                <a:sym typeface="+mn-ea"/>
+              </a:rPr>
+              <a:t>  </a:t>
+            </a:r>
+            <a:r>
+              <a:rPr lang="en-US" altLang="zh-CN" sz="1600">
+                <a:sym typeface="+mn-ea"/>
+              </a:rPr>
+              <a:t>     这也就是vue.js最大的优点，通过MVVM思想实现数据的双向绑定，让开发者不用再操作dom对象，有更多的时间去思考业务逻辑</a:t>
+            </a:r>
+            <a:endParaRPr lang="en-US" altLang="zh-CN" sz="1600"/>
+          </a:p>
+        </p:txBody>
+      </p:sp>
+    </p:spTree>
+    <p:custDataLst>
+      <p:tags r:id="rId1"/>
+    </p:custDataLst>
+  </p:cSld>
+  <p:clrMapOvr>
+    <a:masterClrMapping/>
+  </p:clrMapOvr>
+</p:sld>
+</file>
+
+<file path=ppt/slides/slide11.xml><?xml version="1.0" encoding="utf-8"?>
+<p:sld xmlns:a="http://schemas.openxmlformats.org/drawingml/2006/main" xmlns:r="http://schemas.openxmlformats.org/officeDocument/2006/relationships" xmlns:p="http://schemas.openxmlformats.org/presentationml/2006/main">
+  <p:cSld>
+    <p:spTree>
+      <p:nvGrpSpPr>
+        <p:cNvPr id="1" name=""/>
+        <p:cNvGrpSpPr/>
+        <p:nvPr/>
+      </p:nvGrpSpPr>
+      <p:grpSpPr/>
+      <p:sp>
+        <p:nvSpPr>
+          <p:cNvPr id="2" name="标题 1"/>
+          <p:cNvSpPr>
+            <a:spLocks noGrp="1"/>
+          </p:cNvSpPr>
+          <p:nvPr>
+            <p:ph type="title"/>
+          </p:nvPr>
+        </p:nvSpPr>
+        <p:spPr/>
+        <p:txBody>
+          <a:bodyPr/>
+          <a:p>
+            <a:r>
+              <a:rPr lang="en-US" altLang="zh-CN"/>
+              <a:t>2.3 </a:t>
+            </a:r>
+            <a:r>
+              <a:rPr lang="zh-CN" altLang="en-US"/>
+              <a:t>安装</a:t>
+            </a:r>
+            <a:endParaRPr lang="zh-CN" altLang="en-US"/>
+          </a:p>
+        </p:txBody>
+      </p:sp>
+      <p:sp>
+        <p:nvSpPr>
+          <p:cNvPr id="3" name="内容占位符 2"/>
+          <p:cNvSpPr>
+            <a:spLocks noGrp="1"/>
+          </p:cNvSpPr>
+          <p:nvPr>
+            <p:ph idx="1"/>
+          </p:nvPr>
+        </p:nvSpPr>
+        <p:spPr>
+          <a:xfrm>
+            <a:off x="838200" y="1854200"/>
+            <a:ext cx="10515600" cy="4323080"/>
+          </a:xfrm>
+        </p:spPr>
+        <p:txBody>
+          <a:bodyPr/>
+          <a:p>
+            <a:pPr marL="0" indent="0">
+              <a:buNone/>
+            </a:pPr>
+            <a:r>
+              <a:rPr lang="zh-CN" altLang="en-US">
+                <a:hlinkClick r:id="rId1" action="ppaction://hlinkfile"/>
+              </a:rPr>
+              <a:t>官网安装指南</a:t>
+            </a:r>
+            <a:r>
+              <a:rPr lang="en-US" altLang="zh-CN">
+                <a:hlinkClick r:id="rId1" action="ppaction://hlinkfile"/>
+              </a:rPr>
+              <a:t>:</a:t>
+            </a:r>
+            <a:endParaRPr lang="en-US" altLang="zh-CN"/>
+          </a:p>
+          <a:p>
+            <a:pPr marL="457200" indent="-457200">
+              <a:buAutoNum type="arabicPeriod"/>
+            </a:pPr>
+            <a:r>
+              <a:rPr lang="en-US" altLang="zh-CN"/>
+              <a:t>CDN</a:t>
+            </a:r>
+            <a:r>
+              <a:rPr lang="zh-CN" altLang="en-US"/>
+              <a:t>引入</a:t>
+            </a:r>
+            <a:endParaRPr lang="zh-CN" altLang="en-US"/>
+          </a:p>
+          <a:p>
+            <a:pPr marL="457200" indent="-457200">
+              <a:buAutoNum type="arabicPeriod"/>
+            </a:pPr>
+            <a:r>
+              <a:rPr lang="zh-CN" altLang="en-US"/>
+              <a:t>下载和引入</a:t>
+            </a:r>
+            <a:endParaRPr lang="zh-CN" altLang="en-US"/>
+          </a:p>
+          <a:p>
+            <a:pPr marL="457200" indent="-457200">
+              <a:buAutoNum type="arabicPeriod"/>
+            </a:pPr>
+            <a:r>
+              <a:rPr lang="en-US" altLang="zh-CN"/>
+              <a:t>NPM</a:t>
+            </a:r>
+            <a:r>
+              <a:rPr lang="zh-CN" altLang="en-US"/>
+              <a:t>安装管理</a:t>
+            </a:r>
+            <a:endParaRPr lang="zh-CN" altLang="en-US"/>
+          </a:p>
+          <a:p>
+            <a:pPr marL="0" indent="0">
+              <a:buNone/>
+            </a:pPr>
+            <a:r>
+              <a:rPr lang="zh-CN" altLang="en-US"/>
+              <a:t>    </a:t>
+            </a:r>
+            <a:r>
+              <a:rPr lang="en-US" altLang="zh-CN"/>
+              <a:t>3.1 </a:t>
+            </a:r>
+            <a:r>
+              <a:rPr lang="zh-CN" altLang="en-US"/>
+              <a:t>安装</a:t>
+            </a:r>
+            <a:r>
+              <a:rPr lang="en-US" altLang="zh-CN"/>
+              <a:t>npm(http://nodejs.cn/)</a:t>
+            </a:r>
+            <a:endParaRPr lang="en-US" altLang="zh-CN"/>
+          </a:p>
+          <a:p>
+            <a:pPr marL="0" indent="0">
+              <a:buNone/>
+            </a:pPr>
+            <a:r>
+              <a:rPr lang="en-US" altLang="zh-CN"/>
+              <a:t>    3.2 </a:t>
+            </a:r>
+            <a:r>
+              <a:rPr lang="zh-CN" altLang="en-US"/>
+              <a:t>安装</a:t>
+            </a:r>
+            <a:r>
+              <a:rPr lang="en-US" altLang="zh-CN"/>
+              <a:t>Vue-cli</a:t>
+            </a:r>
+            <a:r>
+              <a:rPr lang="zh-CN" altLang="en-US"/>
+              <a:t>脚手架</a:t>
+            </a:r>
+            <a:r>
+              <a:rPr lang="en-US" altLang="zh-CN"/>
+              <a:t>(npm install -g @vue/cli)</a:t>
+            </a:r>
+            <a:endParaRPr lang="zh-CN" altLang="en-US"/>
+          </a:p>
+          <a:p>
+            <a:pPr marL="0" indent="0">
+              <a:buNone/>
+            </a:pPr>
+            <a:r>
+              <a:rPr lang="zh-CN" altLang="en-US"/>
+              <a:t>    </a:t>
+            </a:r>
+            <a:r>
+              <a:rPr lang="en-US" altLang="zh-CN"/>
+              <a:t>3.3 </a:t>
+            </a:r>
+            <a:r>
+              <a:rPr lang="zh-CN" altLang="en-US"/>
+              <a:t>创建项目</a:t>
+            </a:r>
+            <a:r>
+              <a:rPr lang="en-US" altLang="zh-CN"/>
+              <a:t>(vue init webpack projectName)</a:t>
+            </a:r>
+            <a:endParaRPr lang="en-US" altLang="zh-CN"/>
+          </a:p>
+          <a:p>
+            <a:pPr marL="0" indent="0">
+              <a:buNone/>
+            </a:pPr>
+            <a:r>
+              <a:rPr lang="en-US" altLang="zh-CN"/>
+              <a:t>    3.4 npm run dev</a:t>
+            </a:r>
+            <a:endParaRPr lang="en-US" altLang="zh-CN"/>
+          </a:p>
+        </p:txBody>
+      </p:sp>
+    </p:spTree>
+    <p:custDataLst>
+      <p:tags r:id="rId2"/>
+    </p:custDataLst>
+  </p:cSld>
+  <p:clrMapOvr>
+    <a:masterClrMapping/>
+  </p:clrMapOvr>
+</p:sld>
+</file>
+
+<file path=ppt/slides/slide12.xml><?xml version="1.0" encoding="utf-8"?>
+<p:sld xmlns:a="http://schemas.openxmlformats.org/drawingml/2006/main" xmlns:r="http://schemas.openxmlformats.org/officeDocument/2006/relationships" xmlns:p="http://schemas.openxmlformats.org/presentationml/2006/main">
+  <p:cSld>
+    <p:spTree>
+      <p:nvGrpSpPr>
+        <p:cNvPr id="1" name=""/>
+        <p:cNvGrpSpPr/>
+        <p:nvPr/>
+      </p:nvGrpSpPr>
+      <p:grpSpPr/>
+      <p:sp>
+        <p:nvSpPr>
+          <p:cNvPr id="2" name="标题 1"/>
+          <p:cNvSpPr>
+            <a:spLocks noGrp="1"/>
+          </p:cNvSpPr>
+          <p:nvPr>
+            <p:ph type="title"/>
+          </p:nvPr>
+        </p:nvSpPr>
+        <p:spPr>
+          <a:xfrm>
+            <a:off x="838200" y="548640"/>
+            <a:ext cx="10515600" cy="898525"/>
+          </a:xfrm>
+        </p:spPr>
+        <p:txBody>
+          <a:bodyPr>
+            <a:normAutofit/>
+          </a:bodyPr>
+          <a:p>
+            <a:r>
+              <a:rPr lang="en-US" altLang="zh-CN"/>
+              <a:t>2.4 </a:t>
+            </a:r>
+            <a:r>
+              <a:rPr lang="zh-CN" altLang="zh-CN"/>
+              <a:t>第一个</a:t>
+            </a:r>
+            <a:r>
+              <a:rPr lang="en-US" altLang="zh-CN"/>
+              <a:t>Demo</a:t>
+            </a:r>
+            <a:endParaRPr lang="en-US" altLang="zh-CN"/>
+          </a:p>
+        </p:txBody>
+      </p:sp>
+      <p:sp>
+        <p:nvSpPr>
+          <p:cNvPr id="3" name="内容占位符 2"/>
+          <p:cNvSpPr>
+            <a:spLocks noGrp="1"/>
+          </p:cNvSpPr>
+          <p:nvPr>
+            <p:ph idx="1"/>
+          </p:nvPr>
+        </p:nvSpPr>
+        <p:spPr>
+          <a:xfrm>
+            <a:off x="838200" y="1447165"/>
+            <a:ext cx="10515600" cy="5345430"/>
+          </a:xfrm>
+        </p:spPr>
+        <p:txBody>
+          <a:bodyPr>
+            <a:normAutofit lnSpcReduction="10000"/>
+          </a:bodyPr>
+          <a:p>
+            <a:pPr marL="0" indent="0">
+              <a:buNone/>
+            </a:pPr>
+            <a:endParaRPr lang="zh-CN" altLang="en-US" sz="2000"/>
+          </a:p>
+          <a:p>
+            <a:pPr marL="0" indent="0">
+              <a:buNone/>
+            </a:pPr>
+            <a:r>
+              <a:rPr lang="zh-CN" altLang="en-US" sz="2000"/>
+              <a:t>&lt;div id="</a:t>
+            </a:r>
+            <a:r>
+              <a:rPr lang="zh-CN" altLang="en-US" sz="2000">
                 <a:solidFill>
-                  <a:schemeClr val="tx1"/>
+                  <a:srgbClr val="FF0000"/>
                 </a:solidFill>
               </a:rPr>
-              <a:t>    1.组件只能有一个根标签</a:t>
-            </a:r>
-            <a:endParaRPr lang="en-US" sz="1800">
-              <a:solidFill>
-                <a:schemeClr val="tx1"/>
-              </a:solidFill>
-            </a:endParaRPr>
+              <a:t>app</a:t>
+            </a:r>
+            <a:r>
+              <a:rPr lang="zh-CN" altLang="en-US" sz="2000"/>
+              <a:t>"&gt;</a:t>
+            </a:r>
+            <a:endParaRPr lang="zh-CN" altLang="en-US" sz="2000"/>
           </a:p>
           <a:p>
             <a:pPr marL="0" indent="0">
               <a:buNone/>
             </a:pPr>
             <a:r>
-              <a:rPr lang="en-US" sz="1800">
+              <a:rPr lang="zh-CN" altLang="en-US" sz="2000"/>
+              <a:t>  &lt;p&gt;{{ </a:t>
+            </a:r>
+            <a:r>
+              <a:rPr lang="zh-CN" altLang="en-US">
                 <a:solidFill>
-                  <a:schemeClr val="tx1"/>
+                  <a:srgbClr val="00B050"/>
                 </a:solidFill>
               </a:rPr>
-              <a:t>    2.记住两个词全局和局部</a:t>
-            </a:r>
-            <a:endParaRPr lang="en-US" sz="1800">
-              <a:solidFill>
-                <a:schemeClr val="tx1"/>
-              </a:solidFill>
-            </a:endParaRPr>
-          </a:p>
-          <a:p>
-            <a:pPr marL="0" indent="0">
-              <a:buNone/>
-            </a:pPr>
-            <a:r>
-              <a:rPr lang="en-US" sz="1800">
+              <a:t>message</a:t>
+            </a:r>
+            <a:r>
+              <a:rPr lang="zh-CN" altLang="en-US">
                 <a:solidFill>
-                  <a:schemeClr val="tx1"/>
+                  <a:srgbClr val="00B0F0"/>
                 </a:solidFill>
               </a:rPr>
-              <a:t>   3.组件名称命名中 ‘-小写字母’ 相当于 大写英文字母(hello-com 相当于 helloCom)</a:t>
-            </a:r>
-            <a:endParaRPr lang="en-US" sz="1800">
-              <a:solidFill>
-                <a:schemeClr val="tx1"/>
-              </a:solidFill>
-            </a:endParaRPr>
+              <a:t> </a:t>
+            </a:r>
+            <a:r>
+              <a:rPr lang="zh-CN" altLang="en-US" sz="2000"/>
+              <a:t>}}&lt;/p&gt;</a:t>
+            </a:r>
+            <a:endParaRPr lang="zh-CN" altLang="en-US" sz="2000"/>
+          </a:p>
+          <a:p>
+            <a:pPr marL="0" indent="0">
+              <a:buNone/>
+            </a:pPr>
+            <a:r>
+              <a:rPr lang="zh-CN" altLang="en-US" sz="2000"/>
+              <a:t>&lt;/div&gt;</a:t>
+            </a:r>
+            <a:endParaRPr lang="zh-CN" altLang="en-US" sz="2000"/>
+          </a:p>
+          <a:p>
+            <a:pPr marL="0" indent="0">
+              <a:buNone/>
+            </a:pPr>
+            <a:endParaRPr lang="zh-CN" altLang="en-US" sz="2000"/>
+          </a:p>
+          <a:p>
+            <a:pPr marL="0" indent="0">
+              <a:buNone/>
+            </a:pPr>
+            <a:r>
+              <a:rPr lang="zh-CN" altLang="en-US" sz="2000"/>
+              <a:t>&lt;script&gt;</a:t>
+            </a:r>
+            <a:endParaRPr lang="zh-CN" altLang="en-US" sz="2000"/>
+          </a:p>
+          <a:p>
+            <a:pPr marL="0" indent="0">
+              <a:buNone/>
+            </a:pPr>
+            <a:r>
+              <a:rPr lang="zh-CN" altLang="en-US" sz="2000"/>
+              <a:t>var vm = new Vue({</a:t>
+            </a:r>
+            <a:endParaRPr lang="zh-CN" altLang="en-US" sz="2000"/>
+          </a:p>
+          <a:p>
+            <a:pPr marL="0" indent="0">
+              <a:buNone/>
+            </a:pPr>
+            <a:r>
+              <a:rPr lang="zh-CN" altLang="en-US" sz="2000"/>
+              <a:t>  el: '</a:t>
+            </a:r>
+            <a:r>
+              <a:rPr lang="zh-CN" altLang="en-US" sz="2000">
+                <a:solidFill>
+                  <a:srgbClr val="FF0000"/>
+                </a:solidFill>
+              </a:rPr>
+              <a:t>#app</a:t>
+            </a:r>
+            <a:r>
+              <a:rPr lang="zh-CN" altLang="en-US" sz="2000"/>
+              <a:t>',</a:t>
+            </a:r>
+            <a:endParaRPr lang="zh-CN" altLang="en-US" sz="2000"/>
+          </a:p>
+          <a:p>
+            <a:pPr marL="0" indent="0">
+              <a:buNone/>
+            </a:pPr>
+            <a:r>
+              <a:rPr lang="zh-CN" altLang="en-US" sz="2000"/>
+              <a:t>  data: {</a:t>
+            </a:r>
+            <a:endParaRPr lang="zh-CN" altLang="en-US" sz="2000"/>
+          </a:p>
+          <a:p>
+            <a:pPr marL="0" indent="0">
+              <a:buNone/>
+            </a:pPr>
+            <a:r>
+              <a:rPr lang="zh-CN" altLang="en-US" sz="2000"/>
+              <a:t>   </a:t>
+            </a:r>
+            <a:r>
+              <a:rPr lang="zh-CN" altLang="en-US" sz="2000">
+                <a:solidFill>
+                  <a:srgbClr val="00B050"/>
+                </a:solidFill>
+              </a:rPr>
+              <a:t> </a:t>
+            </a:r>
+            <a:r>
+              <a:rPr lang="zh-CN" altLang="en-US">
+                <a:solidFill>
+                  <a:srgbClr val="00B050"/>
+                </a:solidFill>
+              </a:rPr>
+              <a:t>message</a:t>
+            </a:r>
+            <a:r>
+              <a:rPr lang="zh-CN" altLang="en-US" sz="2000"/>
+              <a:t>: 'Hello Vue.js!'</a:t>
+            </a:r>
+            <a:endParaRPr lang="zh-CN" altLang="en-US" sz="2000"/>
+          </a:p>
+          <a:p>
+            <a:pPr marL="0" indent="0">
+              <a:buNone/>
+            </a:pPr>
+            <a:r>
+              <a:rPr lang="zh-CN" altLang="en-US" sz="2000"/>
+              <a:t>  }</a:t>
+            </a:r>
+            <a:endParaRPr lang="zh-CN" altLang="en-US" sz="2000"/>
+          </a:p>
+          <a:p>
+            <a:pPr marL="0" indent="0">
+              <a:buNone/>
+            </a:pPr>
+            <a:r>
+              <a:rPr lang="zh-CN" altLang="en-US" sz="2000"/>
+              <a:t>})</a:t>
+            </a:r>
+            <a:endParaRPr lang="zh-CN" altLang="en-US" sz="2000"/>
+          </a:p>
+          <a:p>
+            <a:pPr marL="0" indent="0">
+              <a:buNone/>
+            </a:pPr>
+            <a:r>
+              <a:rPr lang="zh-CN" altLang="en-US" sz="2000"/>
+              <a:t>&lt;/script&gt;</a:t>
+            </a:r>
+            <a:endParaRPr lang="zh-CN" altLang="en-US" sz="2000"/>
+          </a:p>
+        </p:txBody>
+      </p:sp>
+    </p:spTree>
+    <p:custDataLst>
+      <p:tags r:id="rId1"/>
+    </p:custDataLst>
+  </p:cSld>
+  <p:clrMapOvr>
+    <a:masterClrMapping/>
+  </p:clrMapOvr>
+</p:sld>
+</file>
+
+<file path=ppt/slides/slide13.xml><?xml version="1.0" encoding="utf-8"?>
+<p:sld xmlns:a="http://schemas.openxmlformats.org/drawingml/2006/main" xmlns:r="http://schemas.openxmlformats.org/officeDocument/2006/relationships" xmlns:p="http://schemas.openxmlformats.org/presentationml/2006/main">
+  <p:cSld>
+    <p:spTree>
+      <p:nvGrpSpPr>
+        <p:cNvPr id="1" name=""/>
+        <p:cNvGrpSpPr/>
+        <p:nvPr/>
+      </p:nvGrpSpPr>
+      <p:grpSpPr/>
+      <p:sp>
+        <p:nvSpPr>
+          <p:cNvPr id="3" name="内容占位符 2"/>
+          <p:cNvSpPr>
+            <a:spLocks noGrp="1"/>
+          </p:cNvSpPr>
+          <p:nvPr>
+            <p:ph idx="1"/>
+          </p:nvPr>
+        </p:nvSpPr>
+        <p:spPr>
+          <a:xfrm>
+            <a:off x="1494790" y="1734820"/>
+            <a:ext cx="10045065" cy="4497070"/>
+          </a:xfrm>
+        </p:spPr>
+        <p:txBody>
+          <a:bodyPr>
+            <a:normAutofit/>
+          </a:bodyPr>
+          <a:p>
+            <a:pPr marL="0" indent="0">
+              <a:buNone/>
+            </a:pPr>
+            <a:r>
+              <a:rPr lang="en-US" altLang="zh-CN"/>
+              <a:t>1.v-if v-else</a:t>
+            </a:r>
+            <a:endParaRPr lang="en-US" altLang="zh-CN"/>
+          </a:p>
+          <a:p>
+            <a:pPr marL="0" indent="0">
+              <a:buNone/>
+            </a:pPr>
+            <a:r>
+              <a:rPr lang="en-US" altLang="zh-CN"/>
+              <a:t>2.v-show</a:t>
+            </a:r>
+            <a:endParaRPr lang="en-US" altLang="zh-CN"/>
+          </a:p>
+          <a:p>
+            <a:pPr marL="0" indent="0">
+              <a:buNone/>
+            </a:pPr>
+            <a:r>
+              <a:rPr lang="en-US" altLang="zh-CN"/>
+              <a:t>3.v-text v-html</a:t>
+            </a:r>
+            <a:endParaRPr lang="en-US" altLang="zh-CN"/>
+          </a:p>
+          <a:p>
+            <a:pPr marL="0" indent="0">
+              <a:buNone/>
+            </a:pPr>
+            <a:r>
+              <a:rPr lang="en-US" altLang="zh-CN"/>
+              <a:t>4.v-for</a:t>
+            </a:r>
+            <a:endParaRPr lang="en-US" altLang="zh-CN"/>
+          </a:p>
+          <a:p>
+            <a:pPr marL="0" indent="0">
+              <a:buNone/>
+            </a:pPr>
+            <a:r>
+              <a:rPr lang="en-US" altLang="zh-CN"/>
+              <a:t>5.v-bind </a:t>
+            </a:r>
+            <a:endParaRPr lang="en-US" altLang="zh-CN"/>
+          </a:p>
+          <a:p>
+            <a:pPr marL="0" indent="0">
+              <a:buNone/>
+            </a:pPr>
+            <a:r>
+              <a:rPr lang="en-US" altLang="zh-CN"/>
+              <a:t>6.v-on</a:t>
+            </a:r>
+            <a:endParaRPr lang="en-US" altLang="zh-CN"/>
+          </a:p>
+          <a:p>
+            <a:pPr marL="0" indent="0">
+              <a:buNone/>
+            </a:pPr>
+            <a:r>
+              <a:rPr lang="en-US" altLang="zh-CN"/>
+              <a:t>7.v-model</a:t>
+            </a:r>
+            <a:endParaRPr lang="en-US" altLang="zh-CN"/>
+          </a:p>
+          <a:p>
+            <a:pPr marL="0" indent="0">
+              <a:buNone/>
+            </a:pPr>
+            <a:endParaRPr lang="en-US" altLang="zh-CN"/>
+          </a:p>
+          <a:p>
+            <a:pPr marL="0" indent="0">
+              <a:buNone/>
+            </a:pPr>
+            <a:r>
+              <a:rPr lang="zh-CN" altLang="en-US"/>
+              <a:t>参考链接</a:t>
+            </a:r>
+            <a:r>
+              <a:rPr lang="en-US" altLang="zh-CN"/>
+              <a:t>:https://blog.csdn.net/qq_22182989/article/details/94393963</a:t>
+            </a:r>
+            <a:endParaRPr lang="en-US" altLang="zh-CN"/>
           </a:p>
         </p:txBody>
       </p:sp>
@@ -4955,20 +5631,216 @@
           </a:bodyPr>
           <a:p>
             <a:r>
-              <a:rPr lang="en-US"/>
-              <a:t>4 </a:t>
+              <a:rPr lang="en-US" altLang="zh-CN"/>
+              <a:t>2.5  Vue</a:t>
             </a:r>
             <a:r>
               <a:rPr lang="zh-CN" altLang="en-US"/>
-              <a:t>组件</a:t>
+              <a:t>常用指令</a:t>
             </a:r>
             <a:endParaRPr lang="zh-CN" altLang="en-US"/>
           </a:p>
         </p:txBody>
       </p:sp>
-      <p:sp>
-        <p:nvSpPr>
-          <p:cNvPr id="5" name="内容占位符 2"/>
+    </p:spTree>
+    <p:custDataLst>
+      <p:tags r:id="rId1"/>
+    </p:custDataLst>
+  </p:cSld>
+  <p:clrMapOvr>
+    <a:masterClrMapping/>
+  </p:clrMapOvr>
+</p:sld>
+</file>
+
+<file path=ppt/slides/slide14.xml><?xml version="1.0" encoding="utf-8"?>
+<p:sld xmlns:a="http://schemas.openxmlformats.org/drawingml/2006/main" xmlns:r="http://schemas.openxmlformats.org/officeDocument/2006/relationships" xmlns:p="http://schemas.openxmlformats.org/presentationml/2006/main">
+  <p:cSld>
+    <p:spTree>
+      <p:nvGrpSpPr>
+        <p:cNvPr id="1" name=""/>
+        <p:cNvGrpSpPr/>
+        <p:nvPr/>
+      </p:nvGrpSpPr>
+      <p:grpSpPr/>
+      <p:sp>
+        <p:nvSpPr>
+          <p:cNvPr id="6" name="标题 5"/>
+          <p:cNvSpPr>
+            <a:spLocks noGrp="1"/>
+          </p:cNvSpPr>
+          <p:nvPr>
+            <p:ph type="title"/>
+          </p:nvPr>
+        </p:nvSpPr>
+        <p:spPr>
+          <a:xfrm>
+            <a:off x="838200" y="548640"/>
+            <a:ext cx="10515600" cy="898525"/>
+          </a:xfrm>
+        </p:spPr>
+        <p:txBody>
+          <a:bodyPr>
+            <a:normAutofit/>
+          </a:bodyPr>
+          <a:p>
+            <a:r>
+              <a:rPr lang="en-US" altLang="zh-CN"/>
+              <a:t>2.6  </a:t>
+            </a:r>
+            <a:r>
+              <a:rPr lang="zh-CN" altLang="en-US"/>
+              <a:t>生命周期钩子</a:t>
+            </a:r>
+            <a:endParaRPr lang="zh-CN" altLang="en-US"/>
+          </a:p>
+        </p:txBody>
+      </p:sp>
+      <p:sp>
+        <p:nvSpPr>
+          <p:cNvPr id="5" name="内容占位符 4"/>
+          <p:cNvSpPr>
+            <a:spLocks noGrp="1"/>
+          </p:cNvSpPr>
+          <p:nvPr>
+            <p:ph idx="1"/>
+          </p:nvPr>
+        </p:nvSpPr>
+        <p:spPr>
+          <a:xfrm>
+            <a:off x="1612265" y="1715135"/>
+            <a:ext cx="3281680" cy="4497070"/>
+          </a:xfrm>
+        </p:spPr>
+        <p:txBody>
+          <a:bodyPr>
+            <a:normAutofit/>
+          </a:bodyPr>
+          <a:p>
+            <a:pPr marL="0" indent="0">
+              <a:buNone/>
+            </a:pPr>
+            <a:r>
+              <a:rPr lang="zh-CN" altLang="en-US">
+                <a:hlinkClick r:id="rId1" action="ppaction://hlinkfile"/>
+              </a:rPr>
+              <a:t>官网地址</a:t>
+            </a:r>
+            <a:r>
+              <a:rPr lang="en-US" altLang="zh-CN">
+                <a:hlinkClick r:id="rId1" action="ppaction://hlinkfile"/>
+              </a:rPr>
+              <a:t>:</a:t>
+            </a:r>
+            <a:endParaRPr lang="en-US" altLang="zh-CN"/>
+          </a:p>
+          <a:p>
+            <a:pPr marL="0" indent="0">
+              <a:buNone/>
+            </a:pPr>
+            <a:r>
+              <a:rPr lang="en-US" altLang="zh-CN"/>
+              <a:t>1.beforeCreate</a:t>
+            </a:r>
+            <a:endParaRPr lang="en-US" altLang="zh-CN"/>
+          </a:p>
+          <a:p>
+            <a:pPr marL="0" indent="0">
+              <a:buNone/>
+            </a:pPr>
+            <a:r>
+              <a:rPr lang="en-US" altLang="zh-CN"/>
+              <a:t>2.created</a:t>
+            </a:r>
+            <a:endParaRPr lang="en-US" altLang="zh-CN"/>
+          </a:p>
+          <a:p>
+            <a:pPr marL="0" indent="0">
+              <a:buNone/>
+            </a:pPr>
+            <a:r>
+              <a:rPr lang="en-US" altLang="zh-CN"/>
+              <a:t>3.</a:t>
+            </a:r>
+            <a:r>
+              <a:rPr lang="en-US" altLang="zh-CN">
+                <a:sym typeface="+mn-ea"/>
+              </a:rPr>
+              <a:t>beforeMount</a:t>
+            </a:r>
+            <a:endParaRPr lang="en-US" altLang="zh-CN"/>
+          </a:p>
+          <a:p>
+            <a:pPr marL="0" indent="0">
+              <a:buNone/>
+            </a:pPr>
+            <a:r>
+              <a:rPr lang="en-US" altLang="zh-CN"/>
+              <a:t>4.mounted   </a:t>
+            </a:r>
+            <a:endParaRPr lang="en-US" altLang="zh-CN"/>
+          </a:p>
+          <a:p>
+            <a:pPr marL="0" indent="0">
+              <a:buNone/>
+            </a:pPr>
+            <a:r>
+              <a:rPr lang="en-US" altLang="zh-CN"/>
+              <a:t>5.</a:t>
+            </a:r>
+            <a:r>
+              <a:rPr lang="en-US" altLang="zh-CN">
+                <a:sym typeface="+mn-ea"/>
+              </a:rPr>
+              <a:t>beforeUpdate</a:t>
+            </a:r>
+            <a:endParaRPr lang="en-US" altLang="zh-CN"/>
+          </a:p>
+          <a:p>
+            <a:pPr marL="0" indent="0">
+              <a:buNone/>
+            </a:pPr>
+            <a:r>
+              <a:rPr lang="en-US" altLang="zh-CN"/>
+              <a:t>6.updated</a:t>
+            </a:r>
+            <a:endParaRPr lang="en-US" altLang="zh-CN"/>
+          </a:p>
+          <a:p>
+            <a:pPr marL="0" indent="0">
+              <a:buNone/>
+            </a:pPr>
+            <a:r>
+              <a:rPr lang="en-US" altLang="zh-CN"/>
+              <a:t>7.</a:t>
+            </a:r>
+            <a:r>
+              <a:rPr lang="en-US" altLang="zh-CN">
+                <a:sym typeface="+mn-ea"/>
+              </a:rPr>
+              <a:t>beforeDestory</a:t>
+            </a:r>
+            <a:endParaRPr lang="en-US" altLang="zh-CN">
+              <a:sym typeface="+mn-ea"/>
+            </a:endParaRPr>
+          </a:p>
+          <a:p>
+            <a:pPr marL="0" indent="0">
+              <a:buNone/>
+            </a:pPr>
+            <a:r>
+              <a:rPr lang="en-US" altLang="zh-CN">
+                <a:sym typeface="+mn-ea"/>
+              </a:rPr>
+              <a:t>8.destory</a:t>
+            </a:r>
+            <a:endParaRPr lang="en-US" altLang="zh-CN"/>
+          </a:p>
+        </p:txBody>
+      </p:sp>
+      <p:sp>
+        <p:nvSpPr>
+          <p:cNvPr id="7" name="内容占位符 4"/>
           <p:cNvSpPr>
             <a:spLocks noGrp="1"/>
           </p:cNvSpPr>
@@ -4976,205 +5848,8 @@
         </p:nvSpPr>
         <p:spPr>
           <a:xfrm>
-            <a:off x="680720" y="3909695"/>
-            <a:ext cx="10515600" cy="2207260"/>
-          </a:xfrm>
-          <a:prstGeom prst="rect">
-            <a:avLst/>
-          </a:prstGeom>
-        </p:spPr>
-        <p:txBody>
-          <a:bodyPr vert="horz" lIns="91440" tIns="45720" rIns="91440" bIns="45720" rtlCol="0">
-            <a:normAutofit lnSpcReduction="10000"/>
-          </a:bodyPr>
-          <a:lstStyle>
-            <a:lvl1pPr marL="228600" indent="-228600" algn="l" defTabSz="914400" rtl="0" eaLnBrk="1" latinLnBrk="0" hangingPunct="1">
-              <a:lnSpc>
-                <a:spcPct val="90000"/>
-              </a:lnSpc>
-              <a:spcBef>
-                <a:spcPts val="1000"/>
-              </a:spcBef>
-              <a:buFont typeface="Arial" panose="020B0604020202090204" pitchFamily="34" charset="0"/>
-              <a:buChar char="•"/>
-              <a:defRPr sz="2400" kern="1200">
-                <a:solidFill>
-                  <a:schemeClr val="tx1"/>
-                </a:solidFill>
-                <a:latin typeface="+mn-lt"/>
-                <a:ea typeface="+mn-ea"/>
-                <a:cs typeface="+mn-cs"/>
-              </a:defRPr>
-            </a:lvl1pPr>
-            <a:lvl2pPr marL="685800" indent="-228600" algn="l" defTabSz="914400" rtl="0" eaLnBrk="1" latinLnBrk="0" hangingPunct="1">
-              <a:lnSpc>
-                <a:spcPct val="90000"/>
-              </a:lnSpc>
-              <a:spcBef>
-                <a:spcPts val="500"/>
-              </a:spcBef>
-              <a:buFont typeface="Arial" panose="020B0604020202090204" pitchFamily="34" charset="0"/>
-              <a:buChar char="•"/>
-              <a:defRPr sz="2000" kern="1200">
-                <a:solidFill>
-                  <a:schemeClr val="tx1"/>
-                </a:solidFill>
-                <a:latin typeface="+mn-lt"/>
-                <a:ea typeface="+mn-ea"/>
-                <a:cs typeface="+mn-cs"/>
-              </a:defRPr>
-            </a:lvl2pPr>
-            <a:lvl3pPr marL="1143000" indent="-228600" algn="l" defTabSz="914400" rtl="0" eaLnBrk="1" latinLnBrk="0" hangingPunct="1">
-              <a:lnSpc>
-                <a:spcPct val="90000"/>
-              </a:lnSpc>
-              <a:spcBef>
-                <a:spcPts val="500"/>
-              </a:spcBef>
-              <a:buFont typeface="Arial" panose="020B0604020202090204" pitchFamily="34" charset="0"/>
-              <a:buChar char="•"/>
-              <a:defRPr sz="1800" kern="1200">
-                <a:solidFill>
-                  <a:schemeClr val="tx1"/>
-                </a:solidFill>
-                <a:latin typeface="+mn-lt"/>
-                <a:ea typeface="+mn-ea"/>
-                <a:cs typeface="+mn-cs"/>
-              </a:defRPr>
-            </a:lvl3pPr>
-            <a:lvl4pPr marL="1600200" indent="-228600" algn="l" defTabSz="914400" rtl="0" eaLnBrk="1" latinLnBrk="0" hangingPunct="1">
-              <a:lnSpc>
-                <a:spcPct val="90000"/>
-              </a:lnSpc>
-              <a:spcBef>
-                <a:spcPts val="500"/>
-              </a:spcBef>
-              <a:buFont typeface="Arial" panose="020B0604020202090204" pitchFamily="34" charset="0"/>
-              <a:buChar char="•"/>
-              <a:defRPr sz="1800" kern="1200">
-                <a:solidFill>
-                  <a:schemeClr val="tx1"/>
-                </a:solidFill>
-                <a:latin typeface="+mn-lt"/>
-                <a:ea typeface="+mn-ea"/>
-                <a:cs typeface="+mn-cs"/>
-              </a:defRPr>
-            </a:lvl4pPr>
-            <a:lvl5pPr marL="2057400" indent="-228600" algn="l" defTabSz="914400" rtl="0" eaLnBrk="1" latinLnBrk="0" hangingPunct="1">
-              <a:lnSpc>
-                <a:spcPct val="90000"/>
-              </a:lnSpc>
-              <a:spcBef>
-                <a:spcPts val="500"/>
-              </a:spcBef>
-              <a:buFont typeface="Arial" panose="020B0604020202090204" pitchFamily="34" charset="0"/>
-              <a:buChar char="•"/>
-              <a:defRPr sz="1800" kern="1200">
-                <a:solidFill>
-                  <a:schemeClr val="tx1"/>
-                </a:solidFill>
-                <a:latin typeface="+mn-lt"/>
-                <a:ea typeface="+mn-ea"/>
-                <a:cs typeface="+mn-cs"/>
-              </a:defRPr>
-            </a:lvl5pPr>
-            <a:lvl6pPr marL="2514600" indent="-228600" algn="l" defTabSz="914400" rtl="0" eaLnBrk="1" latinLnBrk="0" hangingPunct="1">
-              <a:lnSpc>
-                <a:spcPct val="90000"/>
-              </a:lnSpc>
-              <a:spcBef>
-                <a:spcPts val="500"/>
-              </a:spcBef>
-              <a:buFont typeface="Arial" panose="020B0604020202090204" pitchFamily="34" charset="0"/>
-              <a:buChar char="•"/>
-              <a:defRPr sz="1800" kern="1200">
-                <a:solidFill>
-                  <a:schemeClr val="tx1"/>
-                </a:solidFill>
-                <a:latin typeface="+mn-lt"/>
-                <a:ea typeface="+mn-ea"/>
-                <a:cs typeface="+mn-cs"/>
-              </a:defRPr>
-            </a:lvl6pPr>
-            <a:lvl7pPr marL="2971800" indent="-228600" algn="l" defTabSz="914400" rtl="0" eaLnBrk="1" latinLnBrk="0" hangingPunct="1">
-              <a:lnSpc>
-                <a:spcPct val="90000"/>
-              </a:lnSpc>
-              <a:spcBef>
-                <a:spcPts val="500"/>
-              </a:spcBef>
-              <a:buFont typeface="Arial" panose="020B0604020202090204" pitchFamily="34" charset="0"/>
-              <a:buChar char="•"/>
-              <a:defRPr sz="1800" kern="1200">
-                <a:solidFill>
-                  <a:schemeClr val="tx1"/>
-                </a:solidFill>
-                <a:latin typeface="+mn-lt"/>
-                <a:ea typeface="+mn-ea"/>
-                <a:cs typeface="+mn-cs"/>
-              </a:defRPr>
-            </a:lvl7pPr>
-            <a:lvl8pPr marL="3429000" indent="-228600" algn="l" defTabSz="914400" rtl="0" eaLnBrk="1" latinLnBrk="0" hangingPunct="1">
-              <a:lnSpc>
-                <a:spcPct val="90000"/>
-              </a:lnSpc>
-              <a:spcBef>
-                <a:spcPts val="500"/>
-              </a:spcBef>
-              <a:buFont typeface="Arial" panose="020B0604020202090204" pitchFamily="34" charset="0"/>
-              <a:buChar char="•"/>
-              <a:defRPr sz="1800" kern="1200">
-                <a:solidFill>
-                  <a:schemeClr val="tx1"/>
-                </a:solidFill>
-                <a:latin typeface="+mn-lt"/>
-                <a:ea typeface="+mn-ea"/>
-                <a:cs typeface="+mn-cs"/>
-              </a:defRPr>
-            </a:lvl8pPr>
-            <a:lvl9pPr marL="3886200" indent="-228600" algn="l" defTabSz="914400" rtl="0" eaLnBrk="1" latinLnBrk="0" hangingPunct="1">
-              <a:lnSpc>
-                <a:spcPct val="90000"/>
-              </a:lnSpc>
-              <a:spcBef>
-                <a:spcPts val="500"/>
-              </a:spcBef>
-              <a:buFont typeface="Arial" panose="020B0604020202090204" pitchFamily="34" charset="0"/>
-              <a:buChar char="•"/>
-              <a:defRPr sz="1800" kern="1200">
-                <a:solidFill>
-                  <a:schemeClr val="tx1"/>
-                </a:solidFill>
-                <a:latin typeface="+mn-lt"/>
-                <a:ea typeface="+mn-ea"/>
-                <a:cs typeface="+mn-cs"/>
-              </a:defRPr>
-            </a:lvl9pPr>
-          </a:lstStyle>
-          <a:p>
-            <a:pPr marL="0" indent="0">
-              <a:buNone/>
-            </a:pPr>
-            <a:endParaRPr lang="en-US" altLang="zh-CN">
-              <a:solidFill>
-                <a:schemeClr val="tx1"/>
-              </a:solidFill>
-            </a:endParaRPr>
-          </a:p>
-        </p:txBody>
-      </p:sp>
-      <p:sp>
-        <p:nvSpPr>
-          <p:cNvPr id="2" name="内容占位符 2"/>
-          <p:cNvSpPr>
-            <a:spLocks noGrp="1"/>
-          </p:cNvSpPr>
-          <p:nvPr/>
-        </p:nvSpPr>
-        <p:spPr>
-          <a:xfrm>
-            <a:off x="838200" y="3703955"/>
-            <a:ext cx="10515600" cy="2926080"/>
+            <a:off x="6039485" y="1715135"/>
+            <a:ext cx="3281680" cy="4497070"/>
           </a:xfrm>
           <a:prstGeom prst="rect">
             <a:avLst/>
@@ -5353,180 +6028,58 @@
               <a:buNone/>
             </a:pPr>
             <a:r>
-              <a:rPr lang="en-US" sz="1800">
-                <a:solidFill>
-                  <a:schemeClr val="tx1"/>
-                </a:solidFill>
-              </a:rPr>
-              <a:t>4.1 </a:t>
-            </a:r>
-            <a:r>
-              <a:rPr lang="zh-CN" altLang="en-US" sz="1800">
-                <a:solidFill>
-                  <a:schemeClr val="tx1"/>
-                </a:solidFill>
-              </a:rPr>
-              <a:t>父子组件传值</a:t>
-            </a:r>
-            <a:endParaRPr lang="zh-CN" altLang="en-US" sz="1800">
-              <a:solidFill>
-                <a:schemeClr val="tx1"/>
-              </a:solidFill>
-            </a:endParaRPr>
+              <a:rPr lang="zh-CN" altLang="en-US"/>
+              <a:t>扩展：</a:t>
+            </a:r>
+            <a:endParaRPr lang="zh-CN" altLang="en-US"/>
           </a:p>
           <a:p>
             <a:pPr marL="0" indent="0">
               <a:buNone/>
             </a:pPr>
             <a:r>
-              <a:rPr lang="en-US" altLang="zh-CN" sz="1800">
-                <a:solidFill>
-                  <a:schemeClr val="tx1"/>
-                </a:solidFill>
-              </a:rPr>
-              <a:t>4.2 ref获取组件</a:t>
-            </a:r>
-            <a:endParaRPr lang="en-US" altLang="zh-CN" sz="1800">
-              <a:solidFill>
-                <a:schemeClr val="tx1"/>
-              </a:solidFill>
-            </a:endParaRPr>
+              <a:rPr lang="zh-CN" altLang="en-US"/>
+              <a:t>使用</a:t>
+            </a:r>
+            <a:r>
+              <a:rPr lang="en-US" altLang="zh-CN"/>
+              <a:t>keep-alive</a:t>
+            </a:r>
+            <a:r>
+              <a:rPr lang="zh-CN" altLang="en-US"/>
+              <a:t>时</a:t>
+            </a:r>
+            <a:r>
+              <a:rPr lang="en-US" altLang="zh-CN"/>
+              <a:t>:</a:t>
+            </a:r>
+            <a:endParaRPr lang="zh-CN" altLang="en-US"/>
           </a:p>
           <a:p>
             <a:pPr marL="0" indent="0">
               <a:buNone/>
             </a:pPr>
             <a:r>
-              <a:rPr lang="en-US" altLang="zh-CN" sz="1800">
-                <a:solidFill>
-                  <a:schemeClr val="tx1"/>
-                </a:solidFill>
-              </a:rPr>
-              <a:t>4.3 </a:t>
-            </a:r>
-            <a:r>
-              <a:rPr lang="zh-CN" altLang="en-US" sz="1800">
-                <a:solidFill>
-                  <a:schemeClr val="tx1"/>
-                </a:solidFill>
-              </a:rPr>
-              <a:t>参数校验</a:t>
-            </a:r>
-            <a:endParaRPr lang="zh-CN" altLang="en-US" sz="1800">
-              <a:solidFill>
-                <a:schemeClr val="tx1"/>
-              </a:solidFill>
-            </a:endParaRPr>
+              <a:rPr lang="en-US" altLang="zh-CN"/>
+              <a:t>9.actived</a:t>
+            </a:r>
+            <a:endParaRPr lang="en-US" altLang="zh-CN"/>
           </a:p>
           <a:p>
             <a:pPr marL="0" indent="0">
               <a:buNone/>
             </a:pPr>
             <a:r>
-              <a:rPr lang="en-US" altLang="zh-CN" sz="1800">
-                <a:solidFill>
-                  <a:schemeClr val="tx1"/>
-                </a:solidFill>
-              </a:rPr>
-              <a:t>4.4 </a:t>
-            </a:r>
-            <a:r>
-              <a:rPr lang="zh-CN" altLang="en-US" sz="1800">
-                <a:solidFill>
-                  <a:schemeClr val="tx1"/>
-                </a:solidFill>
-              </a:rPr>
-              <a:t>给组件绑定原生事件</a:t>
-            </a:r>
-            <a:endParaRPr lang="zh-CN" altLang="en-US" sz="1800">
-              <a:solidFill>
-                <a:schemeClr val="tx1"/>
-              </a:solidFill>
-            </a:endParaRPr>
-          </a:p>
-          <a:p>
-            <a:pPr marL="0" indent="0">
-              <a:buNone/>
-            </a:pPr>
-            <a:r>
-              <a:rPr lang="en-US" altLang="zh-CN" sz="1800">
-                <a:solidFill>
-                  <a:schemeClr val="tx1"/>
-                </a:solidFill>
-              </a:rPr>
-              <a:t>4.5 </a:t>
-            </a:r>
-            <a:r>
-              <a:rPr lang="zh-CN" altLang="en-US" sz="1800">
-                <a:solidFill>
-                  <a:schemeClr val="tx1"/>
-                </a:solidFill>
-              </a:rPr>
-              <a:t>非父子组件的传值</a:t>
-            </a:r>
-            <a:endParaRPr lang="zh-CN" altLang="en-US" sz="1800">
-              <a:solidFill>
-                <a:schemeClr val="tx1"/>
-              </a:solidFill>
-            </a:endParaRPr>
-          </a:p>
-          <a:p>
-            <a:pPr marL="0" indent="0">
-              <a:buNone/>
-            </a:pPr>
-            <a:r>
-              <a:rPr lang="en-US" altLang="zh-CN" sz="1800">
-                <a:solidFill>
-                  <a:schemeClr val="tx1"/>
-                </a:solidFill>
-              </a:rPr>
-              <a:t>4.6 </a:t>
-            </a:r>
-            <a:r>
-              <a:rPr lang="zh-CN" altLang="en-US" sz="1800">
-                <a:solidFill>
-                  <a:schemeClr val="tx1"/>
-                </a:solidFill>
-              </a:rPr>
-              <a:t>插槽</a:t>
-            </a:r>
-            <a:endParaRPr lang="zh-CN" altLang="en-US" sz="1800">
-              <a:solidFill>
-                <a:schemeClr val="tx1"/>
-              </a:solidFill>
-            </a:endParaRPr>
-          </a:p>
-          <a:p>
-            <a:pPr marL="0" indent="0">
-              <a:buNone/>
-            </a:pPr>
-            <a:r>
-              <a:rPr lang="en-US" altLang="zh-CN" sz="1800">
-                <a:solidFill>
-                  <a:schemeClr val="tx1"/>
-                </a:solidFill>
-              </a:rPr>
-              <a:t>4.7</a:t>
-            </a:r>
-            <a:r>
-              <a:rPr lang="zh-CN" altLang="en-US" sz="1800">
-                <a:solidFill>
-                  <a:schemeClr val="tx1"/>
-                </a:solidFill>
-              </a:rPr>
-              <a:t>动态组件</a:t>
-            </a:r>
-            <a:endParaRPr lang="zh-CN" altLang="en-US" sz="1800">
-              <a:solidFill>
-                <a:schemeClr val="tx1"/>
-              </a:solidFill>
-            </a:endParaRPr>
+              <a:rPr lang="en-US" altLang="zh-CN"/>
+              <a:t>10.deactived</a:t>
+            </a:r>
+            <a:endParaRPr lang="en-US" altLang="zh-CN"/>
           </a:p>
         </p:txBody>
       </p:sp>
     </p:spTree>
     <p:custDataLst>
-      <p:tags r:id="rId1"/>
+      <p:tags r:id="rId2"/>
     </p:custDataLst>
   </p:cSld>
   <p:clrMapOvr>
@@ -5535,209 +6088,7 @@
 </p:sld>
 </file>
 
-<file path=ppt/slides/slide11.xml><?xml version="1.0" encoding="utf-8"?>
-<p:sld xmlns:a="http://schemas.openxmlformats.org/drawingml/2006/main" xmlns:r="http://schemas.openxmlformats.org/officeDocument/2006/relationships" xmlns:p="http://schemas.openxmlformats.org/presentationml/2006/main">
-  <p:cSld>
-    <p:spTree>
-      <p:nvGrpSpPr>
-        <p:cNvPr id="1" name=""/>
-        <p:cNvGrpSpPr/>
-        <p:nvPr/>
-      </p:nvGrpSpPr>
-      <p:grpSpPr/>
-      <p:sp>
-        <p:nvSpPr>
-          <p:cNvPr id="6" name="标题 5"/>
-          <p:cNvSpPr>
-            <a:spLocks noGrp="1"/>
-          </p:cNvSpPr>
-          <p:nvPr>
-            <p:ph type="title"/>
-          </p:nvPr>
-        </p:nvSpPr>
-        <p:spPr>
-          <a:xfrm>
-            <a:off x="838200" y="548640"/>
-            <a:ext cx="10515600" cy="898525"/>
-          </a:xfrm>
-        </p:spPr>
-        <p:txBody>
-          <a:bodyPr>
-            <a:normAutofit/>
-          </a:bodyPr>
-          <a:p>
-            <a:r>
-              <a:rPr lang="en-US" altLang="zh-CN"/>
-              <a:t>5.</a:t>
-            </a:r>
-            <a:r>
-              <a:rPr lang="zh-CN" altLang="en-US"/>
-              <a:t>工作中遇到的坑</a:t>
-            </a:r>
-            <a:endParaRPr lang="zh-CN" altLang="en-US"/>
-          </a:p>
-        </p:txBody>
-      </p:sp>
-      <p:sp>
-        <p:nvSpPr>
-          <p:cNvPr id="5" name="内容占位符 4"/>
-          <p:cNvSpPr>
-            <a:spLocks noGrp="1"/>
-          </p:cNvSpPr>
-          <p:nvPr>
-            <p:ph idx="1"/>
-          </p:nvPr>
-        </p:nvSpPr>
-        <p:spPr>
-          <a:xfrm>
-            <a:off x="1071880" y="1774190"/>
-            <a:ext cx="8926195" cy="4497070"/>
-          </a:xfrm>
-        </p:spPr>
-        <p:txBody>
-          <a:bodyPr>
-            <a:normAutofit/>
-          </a:bodyPr>
-          <a:p>
-            <a:pPr marL="0" indent="0">
-              <a:buNone/>
-            </a:pPr>
-            <a:r>
-              <a:rPr lang="en-US" altLang="zh-CN"/>
-              <a:t>1.图片资源 require 与 static目录下</a:t>
-            </a:r>
-            <a:r>
-              <a:rPr lang="zh-CN" altLang="en-US"/>
-              <a:t>的图片</a:t>
-            </a:r>
-            <a:r>
-              <a:rPr lang="en-US" altLang="zh-CN"/>
-              <a:t>不需要</a:t>
-            </a:r>
-            <a:r>
-              <a:rPr lang="zh-CN" altLang="en-US"/>
-              <a:t>加</a:t>
-            </a:r>
-            <a:r>
-              <a:rPr lang="en-US" altLang="zh-CN"/>
-              <a:t>require</a:t>
-            </a:r>
-            <a:endParaRPr lang="en-US" altLang="zh-CN"/>
-          </a:p>
-          <a:p>
-            <a:pPr marL="0" indent="0">
-              <a:buNone/>
-            </a:pPr>
-            <a:r>
-              <a:rPr lang="en-US" altLang="zh-CN"/>
-              <a:t>2. &lt;ul&gt;、&lt;ol&gt;、&lt;table&gt;、&lt;select&gt;</a:t>
-            </a:r>
-            <a:r>
-              <a:rPr lang="zh-CN" altLang="en-US"/>
-              <a:t>使用组件的坑</a:t>
-            </a:r>
-            <a:endParaRPr lang="zh-CN" altLang="en-US"/>
-          </a:p>
-          <a:p>
-            <a:pPr marL="0" indent="0">
-              <a:buNone/>
-            </a:pPr>
-            <a:r>
-              <a:rPr lang="en-US" altLang="zh-CN"/>
-              <a:t>3.</a:t>
-            </a:r>
-            <a:r>
-              <a:rPr lang="zh-CN" altLang="en-US"/>
-              <a:t>数组的值修改了 </a:t>
-            </a:r>
-            <a:r>
-              <a:rPr lang="en-US" altLang="zh-CN"/>
-              <a:t>UI</a:t>
-            </a:r>
-            <a:r>
-              <a:rPr lang="zh-CN" altLang="en-US"/>
-              <a:t>却不刷新</a:t>
-            </a:r>
-            <a:endParaRPr lang="zh-CN" altLang="en-US"/>
-          </a:p>
-          <a:p>
-            <a:pPr marL="0" indent="0">
-              <a:buNone/>
-            </a:pPr>
-            <a:r>
-              <a:rPr lang="en-US" altLang="zh-CN"/>
-              <a:t>4.自定义组件添加click等事件不生效</a:t>
-            </a:r>
-            <a:endParaRPr lang="en-US" altLang="zh-CN"/>
-          </a:p>
-          <a:p>
-            <a:pPr marL="0" indent="0">
-              <a:buNone/>
-            </a:pPr>
-            <a:r>
-              <a:rPr lang="en-US" altLang="zh-CN"/>
-              <a:t>5.</a:t>
-            </a:r>
-            <a:r>
-              <a:rPr lang="zh-CN" altLang="en-US"/>
-              <a:t>定时器的移除</a:t>
-            </a:r>
-            <a:endParaRPr lang="zh-CN" altLang="en-US"/>
-          </a:p>
-          <a:p>
-            <a:pPr marL="0" indent="0">
-              <a:buNone/>
-            </a:pPr>
-            <a:r>
-              <a:rPr lang="en-US" altLang="zh-CN"/>
-              <a:t>6.</a:t>
-            </a:r>
-            <a:r>
-              <a:rPr lang="zh-CN" altLang="en-US"/>
-              <a:t>在子组件中直接修改父组件传入的值</a:t>
-            </a:r>
-            <a:endParaRPr lang="zh-CN" altLang="en-US"/>
-          </a:p>
-          <a:p>
-            <a:pPr marL="0" indent="0">
-              <a:buNone/>
-            </a:pPr>
-            <a:r>
-              <a:rPr lang="en-US" altLang="zh-CN"/>
-              <a:t>7.</a:t>
-            </a:r>
-            <a:r>
-              <a:rPr lang="zh-CN" altLang="en-US"/>
-              <a:t>对象的深浅拷贝问题</a:t>
-            </a:r>
-            <a:r>
-              <a:rPr lang="en-US" altLang="zh-CN"/>
-              <a:t>(</a:t>
-            </a:r>
-            <a:r>
-              <a:rPr lang="zh-CN" altLang="en-US"/>
-              <a:t>简单的可通过JSON.stringify和JSON.parse解决</a:t>
-            </a:r>
-            <a:r>
-              <a:rPr lang="en-US" altLang="zh-CN"/>
-              <a:t>)</a:t>
-            </a:r>
-            <a:endParaRPr lang="en-US" altLang="zh-CN"/>
-          </a:p>
-        </p:txBody>
-      </p:sp>
-    </p:spTree>
-    <p:custDataLst>
-      <p:tags r:id="rId1"/>
-    </p:custDataLst>
-  </p:cSld>
-  <p:clrMapOvr>
-    <a:masterClrMapping/>
-  </p:clrMapOvr>
-</p:sld>
-</file>
-
-<file path=ppt/slides/slide12.xml><?xml version="1.0" encoding="utf-8"?>
+<file path=ppt/slides/slide15.xml><?xml version="1.0" encoding="utf-8"?>
 <p:sld xmlns:a="http://schemas.openxmlformats.org/drawingml/2006/main" xmlns:r="http://schemas.openxmlformats.org/officeDocument/2006/relationships" xmlns:p="http://schemas.openxmlformats.org/presentationml/2006/main">
   <p:cSld>
     <p:spTree>
@@ -5818,8 +6169,8 @@
         </p:nvSpPr>
         <p:spPr>
           <a:xfrm>
-            <a:off x="838200" y="1825625"/>
-            <a:ext cx="10515600" cy="4037965"/>
+            <a:off x="291465" y="1691005"/>
+            <a:ext cx="4293870" cy="1955165"/>
           </a:xfrm>
         </p:spPr>
         <p:txBody>
@@ -5827,127 +6178,67 @@
             <a:normAutofit lnSpcReduction="20000"/>
           </a:bodyPr>
           <a:p>
-            <a:pPr marL="457200" indent="-457200">
-              <a:buFont typeface="+mj-lt"/>
-              <a:buAutoNum type="arabicPeriod"/>
-            </a:pPr>
-            <a:r>
-              <a:rPr lang="en-US">
-                <a:sym typeface="+mn-ea"/>
-              </a:rPr>
-              <a:t>Vue</a:t>
-            </a:r>
-            <a:r>
-              <a:rPr lang="zh-CN" altLang="en-US">
-                <a:sym typeface="+mn-ea"/>
-              </a:rPr>
-              <a:t>是什么</a:t>
-            </a:r>
-            <a:r>
-              <a:rPr lang="en-US" altLang="zh-CN">
-                <a:sym typeface="+mn-ea"/>
-              </a:rPr>
-              <a:t>?</a:t>
-            </a:r>
-            <a:endParaRPr lang="zh-CN" altLang="en-US">
-              <a:sym typeface="+mn-ea"/>
-            </a:endParaRPr>
-          </a:p>
-          <a:p>
-            <a:pPr marL="457200" indent="-457200">
-              <a:buFont typeface="+mj-lt"/>
-              <a:buAutoNum type="arabicPeriod"/>
-            </a:pPr>
-            <a:r>
-              <a:rPr lang="en-US" altLang="zh-CN"/>
-              <a:t>Vue</a:t>
-            </a:r>
-            <a:r>
-              <a:rPr lang="zh-CN" altLang="en-US"/>
-              <a:t>如何使用</a:t>
-            </a:r>
-            <a:r>
-              <a:rPr lang="en-US" altLang="zh-CN"/>
-              <a:t>?</a:t>
-            </a:r>
-            <a:endParaRPr lang="zh-CN" altLang="en-US"/>
-          </a:p>
-          <a:p>
-            <a:pPr marL="457200" indent="-457200">
-              <a:buFont typeface="+mj-lt"/>
-              <a:buAutoNum type="arabicPeriod"/>
-            </a:pPr>
-            <a:r>
-              <a:rPr lang="zh-CN" altLang="en-US"/>
-              <a:t>生命周期钩子</a:t>
-            </a:r>
-            <a:endParaRPr lang="zh-CN" altLang="en-US"/>
-          </a:p>
-          <a:p>
             <a:pPr marL="0" indent="0">
               <a:buFont typeface="+mj-lt"/>
               <a:buNone/>
             </a:pPr>
+            <a:r>
+              <a:rPr lang="en-US" altLang="zh-CN"/>
+              <a:t>1.1 NodeJS</a:t>
+            </a:r>
+            <a:r>
+              <a:rPr lang="zh-CN" altLang="en-US"/>
+              <a:t>简介</a:t>
+            </a:r>
+            <a:endParaRPr lang="zh-CN" altLang="en-US"/>
+          </a:p>
+          <a:p>
+            <a:pPr marL="0" indent="0">
+              <a:buFont typeface="+mj-lt"/>
+              <a:buNone/>
+            </a:pPr>
+            <a:r>
+              <a:rPr lang="en-US" altLang="zh-CN"/>
+              <a:t>1.2 NodeJS</a:t>
+            </a:r>
+            <a:r>
+              <a:rPr lang="zh-CN" altLang="en-US"/>
+              <a:t>应用场景</a:t>
+            </a:r>
+            <a:endParaRPr lang="zh-CN" altLang="en-US"/>
+          </a:p>
+          <a:p>
+            <a:pPr marL="0" indent="0">
+              <a:buFont typeface="+mj-lt"/>
+              <a:buNone/>
+            </a:pPr>
+            <a:r>
+              <a:rPr lang="en-US" altLang="zh-CN"/>
+              <a:t>1.3 NodeJS</a:t>
+            </a:r>
+            <a:r>
+              <a:rPr lang="zh-CN" altLang="en-US"/>
+              <a:t>环境配置</a:t>
+            </a:r>
+            <a:endParaRPr lang="zh-CN" altLang="en-US"/>
+          </a:p>
+          <a:p>
+            <a:pPr marL="0" indent="0">
+              <a:buFont typeface="+mj-lt"/>
+              <a:buNone/>
+            </a:pPr>
+            <a:r>
+              <a:rPr lang="en-US" altLang="zh-CN"/>
+              <a:t>1.4 NPM  </a:t>
+            </a:r>
             <a:endParaRPr lang="en-US" altLang="zh-CN"/>
           </a:p>
           <a:p>
-            <a:pPr marL="457200" indent="-457200">
+            <a:pPr marL="0" indent="0">
               <a:buFont typeface="+mj-lt"/>
-              <a:buAutoNum type="arabicPeriod"/>
+              <a:buNone/>
             </a:pPr>
             <a:endParaRPr lang="en-US" altLang="zh-CN"/>
-          </a:p>
-          <a:p>
-            <a:pPr marL="0" indent="0">
-              <a:buFont typeface="+mj-lt"/>
-              <a:buNone/>
-            </a:pPr>
-            <a:r>
-              <a:rPr lang="zh-CN" altLang="en-US"/>
-              <a:t>进阶</a:t>
-            </a:r>
-            <a:r>
-              <a:rPr lang="en-US" altLang="zh-CN"/>
-              <a:t>:</a:t>
-            </a:r>
-            <a:endParaRPr lang="en-US" altLang="zh-CN"/>
-          </a:p>
-          <a:p>
-            <a:pPr marL="0" indent="0">
-              <a:buFont typeface="+mj-lt"/>
-              <a:buNone/>
-            </a:pPr>
-            <a:r>
-              <a:rPr lang="en-US" altLang="zh-CN"/>
-              <a:t>3.Vue-Router</a:t>
-            </a:r>
-            <a:endParaRPr lang="en-US" altLang="zh-CN"/>
-          </a:p>
-          <a:p>
-            <a:pPr marL="0" indent="0">
-              <a:buFont typeface="+mj-lt"/>
-              <a:buNone/>
-            </a:pPr>
-            <a:r>
-              <a:rPr lang="en-US" altLang="zh-CN"/>
-              <a:t>4.Vuex</a:t>
-            </a:r>
-            <a:endParaRPr lang="en-US" altLang="zh-CN"/>
-          </a:p>
-          <a:p>
-            <a:pPr marL="0" indent="0">
-              <a:buFont typeface="+mj-lt"/>
-              <a:buNone/>
-            </a:pPr>
-            <a:r>
-              <a:rPr lang="en-US" altLang="zh-CN"/>
-              <a:t>5.Vue</a:t>
-            </a:r>
-            <a:r>
-              <a:rPr lang="zh-CN" altLang="en-US"/>
-              <a:t>源码</a:t>
-            </a:r>
-            <a:endParaRPr lang="zh-CN" altLang="en-US"/>
           </a:p>
         </p:txBody>
       </p:sp>
@@ -5965,7 +6256,7 @@
           <a:p>
             <a:r>
               <a:rPr lang="zh-CN" altLang="en-US"/>
-              <a:t>主要内容</a:t>
+              <a:t>目录</a:t>
             </a:r>
             <a:endParaRPr lang="zh-CN" altLang="en-US"/>
           </a:p>
@@ -5983,6 +6274,1017 @@
 </file>
 
 <file path=ppt/slides/slide3.xml><?xml version="1.0" encoding="utf-8"?>
+<p:sld xmlns:a="http://schemas.openxmlformats.org/drawingml/2006/main" xmlns:r="http://schemas.openxmlformats.org/officeDocument/2006/relationships" xmlns:p="http://schemas.openxmlformats.org/presentationml/2006/main">
+  <p:cSld>
+    <p:spTree>
+      <p:nvGrpSpPr>
+        <p:cNvPr id="1" name=""/>
+        <p:cNvGrpSpPr/>
+        <p:nvPr/>
+      </p:nvGrpSpPr>
+      <p:grpSpPr/>
+      <p:sp>
+        <p:nvSpPr>
+          <p:cNvPr id="2" name="标题 1"/>
+          <p:cNvSpPr>
+            <a:spLocks noGrp="1"/>
+          </p:cNvSpPr>
+          <p:nvPr>
+            <p:ph type="title"/>
+          </p:nvPr>
+        </p:nvSpPr>
+        <p:spPr/>
+        <p:txBody>
+          <a:bodyPr/>
+          <a:p>
+            <a:r>
+              <a:rPr lang="en-US" altLang="zh-CN"/>
+              <a:t>1.1 NodeJS</a:t>
+            </a:r>
+            <a:r>
+              <a:rPr lang="zh-CN" altLang="en-US"/>
+              <a:t>简介</a:t>
+            </a:r>
+            <a:endParaRPr lang="zh-CN" altLang="en-US"/>
+          </a:p>
+        </p:txBody>
+      </p:sp>
+      <p:sp>
+        <p:nvSpPr>
+          <p:cNvPr id="3" name="内容占位符 2"/>
+          <p:cNvSpPr>
+            <a:spLocks noGrp="1"/>
+          </p:cNvSpPr>
+          <p:nvPr>
+            <p:ph idx="1"/>
+          </p:nvPr>
+        </p:nvSpPr>
+        <p:spPr>
+          <a:xfrm>
+            <a:off x="1010920" y="1209040"/>
+            <a:ext cx="10515600" cy="1482090"/>
+          </a:xfrm>
+        </p:spPr>
+        <p:txBody>
+          <a:bodyPr>
+            <a:normAutofit lnSpcReduction="20000"/>
+          </a:bodyPr>
+          <a:p>
+            <a:pPr marL="0" indent="0">
+              <a:buNone/>
+            </a:pPr>
+            <a:endParaRPr lang="en-US" altLang="zh-CN"/>
+          </a:p>
+          <a:p>
+            <a:pPr marL="0" indent="0">
+              <a:buNone/>
+            </a:pPr>
+            <a:r>
+              <a:rPr lang="zh-CN" altLang="en-US" sz="2000"/>
+              <a:t>简介：</a:t>
+            </a:r>
+            <a:endParaRPr lang="en-US" altLang="zh-CN" sz="2000"/>
+          </a:p>
+          <a:p>
+            <a:pPr marL="0" indent="0">
+              <a:buNone/>
+            </a:pPr>
+            <a:r>
+              <a:rPr lang="zh-CN" altLang="en-US" sz="2000"/>
+              <a:t>Node.js 是一个基于 Chrome V8 引擎的</a:t>
+            </a:r>
+            <a:r>
+              <a:rPr lang="zh-CN" altLang="en-US" sz="2000">
+                <a:solidFill>
+                  <a:srgbClr val="FF0000"/>
+                </a:solidFill>
+              </a:rPr>
+              <a:t> JavaScript 运行环境</a:t>
+            </a:r>
+            <a:r>
+              <a:rPr lang="zh-CN" altLang="en-US" sz="2000"/>
+              <a:t> </a:t>
+            </a:r>
+            <a:endParaRPr lang="zh-CN" altLang="en-US" sz="2000"/>
+          </a:p>
+        </p:txBody>
+      </p:sp>
+      <p:sp>
+        <p:nvSpPr>
+          <p:cNvPr id="5" name="文本框 4"/>
+          <p:cNvSpPr txBox="1"/>
+          <p:nvPr/>
+        </p:nvSpPr>
+        <p:spPr>
+          <a:xfrm>
+            <a:off x="1010920" y="2590800"/>
+            <a:ext cx="5824220" cy="4107815"/>
+          </a:xfrm>
+          <a:prstGeom prst="rect">
+            <a:avLst/>
+          </a:prstGeom>
+          <a:noFill/>
+        </p:spPr>
+        <p:txBody>
+          <a:bodyPr wrap="square" rtlCol="0">
+            <a:spAutoFit/>
+          </a:bodyPr>
+          <a:p>
+            <a:pPr>
+              <a:lnSpc>
+                <a:spcPct val="150000"/>
+              </a:lnSpc>
+            </a:pPr>
+            <a:r>
+              <a:rPr lang="zh-CN" altLang="en-US"/>
+              <a:t>特点</a:t>
+            </a:r>
+            <a:r>
+              <a:rPr lang="en-US" altLang="zh-CN"/>
+              <a:t>:</a:t>
+            </a:r>
+            <a:br>
+              <a:rPr lang="en-US" altLang="zh-CN"/>
+            </a:br>
+            <a:r>
+              <a:rPr lang="en-US" altLang="zh-CN"/>
+              <a:t>1.</a:t>
+            </a:r>
+            <a:r>
+              <a:rPr lang="zh-CN" altLang="en-US"/>
+              <a:t>它是一个</a:t>
+            </a:r>
+            <a:r>
+              <a:rPr lang="en-US" altLang="zh-CN"/>
+              <a:t>JavaScript</a:t>
+            </a:r>
+            <a:r>
+              <a:rPr lang="zh-CN" altLang="en-US"/>
+              <a:t>运行环境</a:t>
+            </a:r>
+            <a:r>
+              <a:rPr lang="en-US" altLang="zh-CN"/>
+              <a:t>(C++</a:t>
+            </a:r>
+            <a:r>
+              <a:rPr lang="zh-CN" altLang="en-US"/>
+              <a:t>实现的</a:t>
+            </a:r>
+            <a:r>
+              <a:rPr lang="en-US" altLang="zh-CN"/>
+              <a:t>)</a:t>
+            </a:r>
+            <a:br>
+              <a:rPr lang="en-US" altLang="zh-CN"/>
+            </a:br>
+            <a:r>
+              <a:rPr lang="en-US" altLang="zh-CN"/>
+              <a:t>2.</a:t>
+            </a:r>
+            <a:r>
+              <a:rPr lang="zh-CN" altLang="en-US"/>
+              <a:t>依赖于</a:t>
+            </a:r>
+            <a:r>
+              <a:rPr lang="en-US" altLang="zh-CN"/>
+              <a:t>Chrome V8</a:t>
+            </a:r>
+            <a:r>
+              <a:rPr lang="zh-CN" altLang="en-US"/>
+              <a:t>引擎进行代码解释</a:t>
+            </a:r>
+            <a:br>
+              <a:rPr lang="zh-CN" altLang="en-US"/>
+            </a:br>
+            <a:r>
+              <a:rPr lang="en-US" altLang="zh-CN"/>
+              <a:t>3.</a:t>
+            </a:r>
+            <a:r>
+              <a:rPr lang="zh-CN" altLang="en-US"/>
+              <a:t>模块化编程</a:t>
+            </a:r>
+            <a:endParaRPr lang="zh-CN" altLang="en-US"/>
+          </a:p>
+          <a:p>
+            <a:pPr>
+              <a:lnSpc>
+                <a:spcPct val="150000"/>
+              </a:lnSpc>
+            </a:pPr>
+            <a:r>
+              <a:rPr lang="en-US" altLang="zh-CN"/>
+              <a:t>4.</a:t>
+            </a:r>
+            <a:r>
+              <a:rPr lang="zh-CN" altLang="en-US"/>
+              <a:t>单进程、单线程</a:t>
+            </a:r>
+            <a:endParaRPr lang="zh-CN" altLang="en-US"/>
+          </a:p>
+          <a:p>
+            <a:pPr>
+              <a:lnSpc>
+                <a:spcPct val="150000"/>
+              </a:lnSpc>
+            </a:pPr>
+            <a:r>
+              <a:rPr lang="en-US" altLang="zh-CN"/>
+              <a:t>5.</a:t>
+            </a:r>
+            <a:r>
+              <a:rPr lang="zh-CN" altLang="en-US"/>
+              <a:t>事件轮询（</a:t>
+            </a:r>
+            <a:r>
+              <a:rPr lang="en-US" altLang="zh-CN"/>
+              <a:t>event loop</a:t>
+            </a:r>
+            <a:r>
+              <a:rPr lang="zh-CN" altLang="en-US"/>
+              <a:t>）</a:t>
+            </a:r>
+            <a:endParaRPr lang="zh-CN" altLang="en-US"/>
+          </a:p>
+          <a:p>
+            <a:pPr>
+              <a:lnSpc>
+                <a:spcPct val="150000"/>
+              </a:lnSpc>
+            </a:pPr>
+            <a:r>
+              <a:rPr lang="en-US" altLang="zh-CN"/>
+              <a:t>6.</a:t>
+            </a:r>
+            <a:r>
+              <a:rPr lang="zh-CN" altLang="en-US"/>
+              <a:t>事件驱动</a:t>
+            </a:r>
+            <a:endParaRPr lang="zh-CN" altLang="en-US"/>
+          </a:p>
+          <a:p>
+            <a:pPr>
+              <a:lnSpc>
+                <a:spcPct val="150000"/>
+              </a:lnSpc>
+            </a:pPr>
+            <a:r>
+              <a:rPr lang="en-US" altLang="zh-CN"/>
+              <a:t>7.</a:t>
+            </a:r>
+            <a:r>
+              <a:rPr lang="zh-CN" altLang="en-US"/>
+              <a:t>非阻塞</a:t>
+            </a:r>
+            <a:r>
+              <a:rPr lang="en-US" altLang="zh-CN"/>
+              <a:t>I/O</a:t>
+            </a:r>
+            <a:endParaRPr lang="en-US" altLang="zh-CN"/>
+          </a:p>
+          <a:p>
+            <a:pPr>
+              <a:lnSpc>
+                <a:spcPct val="150000"/>
+              </a:lnSpc>
+            </a:pPr>
+            <a:r>
+              <a:rPr lang="en-US" altLang="zh-CN"/>
+              <a:t>8.</a:t>
+            </a:r>
+            <a:r>
+              <a:rPr lang="zh-CN" altLang="en-US"/>
+              <a:t>轻量、可伸缩，适用于实时数据交互应用</a:t>
+            </a:r>
+            <a:endParaRPr lang="zh-CN" altLang="en-US"/>
+          </a:p>
+          <a:p>
+            <a:endParaRPr lang="zh-CN" altLang="en-US"/>
+          </a:p>
+        </p:txBody>
+      </p:sp>
+    </p:spTree>
+    <p:custDataLst>
+      <p:tags r:id="rId1"/>
+    </p:custDataLst>
+  </p:cSld>
+  <p:clrMapOvr>
+    <a:masterClrMapping/>
+  </p:clrMapOvr>
+</p:sld>
+</file>
+
+<file path=ppt/slides/slide4.xml><?xml version="1.0" encoding="utf-8"?>
+<p:sld xmlns:a="http://schemas.openxmlformats.org/drawingml/2006/main" xmlns:r="http://schemas.openxmlformats.org/officeDocument/2006/relationships" xmlns:p="http://schemas.openxmlformats.org/presentationml/2006/main">
+  <p:cSld>
+    <p:spTree>
+      <p:nvGrpSpPr>
+        <p:cNvPr id="1" name=""/>
+        <p:cNvGrpSpPr/>
+        <p:nvPr/>
+      </p:nvGrpSpPr>
+      <p:grpSpPr/>
+      <p:sp>
+        <p:nvSpPr>
+          <p:cNvPr id="2" name="标题 1"/>
+          <p:cNvSpPr>
+            <a:spLocks noGrp="1"/>
+          </p:cNvSpPr>
+          <p:nvPr>
+            <p:ph type="title"/>
+          </p:nvPr>
+        </p:nvSpPr>
+        <p:spPr/>
+        <p:txBody>
+          <a:bodyPr/>
+          <a:p>
+            <a:r>
+              <a:rPr lang="en-US" altLang="zh-CN"/>
+              <a:t>1.2 NodeJS</a:t>
+            </a:r>
+            <a:r>
+              <a:rPr lang="zh-CN" altLang="en-US"/>
+              <a:t>应用场景</a:t>
+            </a:r>
+            <a:endParaRPr lang="zh-CN" altLang="en-US"/>
+          </a:p>
+        </p:txBody>
+      </p:sp>
+      <p:sp>
+        <p:nvSpPr>
+          <p:cNvPr id="4" name="文本框 3"/>
+          <p:cNvSpPr txBox="1"/>
+          <p:nvPr/>
+        </p:nvSpPr>
+        <p:spPr>
+          <a:xfrm>
+            <a:off x="927100" y="1835150"/>
+            <a:ext cx="3745865" cy="4547870"/>
+          </a:xfrm>
+          <a:prstGeom prst="rect">
+            <a:avLst/>
+          </a:prstGeom>
+          <a:noFill/>
+        </p:spPr>
+        <p:txBody>
+          <a:bodyPr wrap="square" rtlCol="0" anchor="t">
+            <a:spAutoFit/>
+          </a:bodyPr>
+          <a:p>
+            <a:pPr indent="0">
+              <a:lnSpc>
+                <a:spcPct val="170000"/>
+              </a:lnSpc>
+              <a:buNone/>
+            </a:pPr>
+            <a:r>
+              <a:rPr lang="en-US" altLang="zh-CN"/>
+              <a:t>1.</a:t>
+            </a:r>
+            <a:r>
+              <a:rPr lang="zh-CN" altLang="en-US"/>
+              <a:t>具有复杂逻辑的网站</a:t>
+            </a:r>
+            <a:endParaRPr lang="zh-CN" altLang="en-US"/>
+          </a:p>
+          <a:p>
+            <a:pPr indent="0">
+              <a:lnSpc>
+                <a:spcPct val="170000"/>
+              </a:lnSpc>
+              <a:buNone/>
+            </a:pPr>
+            <a:r>
+              <a:rPr lang="en-US" altLang="zh-CN"/>
+              <a:t>2.</a:t>
+            </a:r>
+            <a:r>
+              <a:rPr lang="zh-CN" altLang="en-US"/>
+              <a:t>基于社交网络的大规模</a:t>
+            </a:r>
+            <a:r>
+              <a:rPr lang="en-US" altLang="zh-CN"/>
+              <a:t>Web</a:t>
+            </a:r>
+            <a:r>
+              <a:rPr lang="zh-CN" altLang="en-US"/>
+              <a:t>应用</a:t>
+            </a:r>
+            <a:endParaRPr lang="zh-CN" altLang="en-US"/>
+          </a:p>
+          <a:p>
+            <a:pPr indent="0">
+              <a:lnSpc>
+                <a:spcPct val="170000"/>
+              </a:lnSpc>
+              <a:buNone/>
+            </a:pPr>
+            <a:r>
+              <a:rPr lang="en-US" altLang="zh-CN"/>
+              <a:t>3.Web Socket</a:t>
+            </a:r>
+            <a:r>
+              <a:rPr lang="zh-CN" altLang="en-US"/>
+              <a:t>服务器</a:t>
+            </a:r>
+            <a:br>
+              <a:rPr lang="zh-CN" altLang="en-US"/>
+            </a:br>
+            <a:r>
+              <a:rPr lang="en-US" altLang="zh-CN"/>
+              <a:t>4.TCP</a:t>
+            </a:r>
+            <a:r>
+              <a:rPr lang="zh-CN" altLang="en-US"/>
+              <a:t>、</a:t>
+            </a:r>
+            <a:r>
+              <a:rPr lang="en-US" altLang="zh-CN"/>
+              <a:t>UDP</a:t>
+            </a:r>
+            <a:r>
+              <a:rPr lang="zh-CN" altLang="en-US"/>
+              <a:t>套接字应用程序</a:t>
+            </a:r>
+            <a:endParaRPr lang="zh-CN" altLang="en-US"/>
+          </a:p>
+          <a:p>
+            <a:pPr indent="0">
+              <a:lnSpc>
+                <a:spcPct val="190000"/>
+              </a:lnSpc>
+              <a:buNone/>
+            </a:pPr>
+            <a:r>
+              <a:rPr lang="en-US" altLang="zh-CN"/>
+              <a:t>5.</a:t>
+            </a:r>
+            <a:r>
+              <a:rPr lang="zh-CN" altLang="en-US"/>
+              <a:t>命令行工具</a:t>
+            </a:r>
+            <a:br>
+              <a:rPr lang="zh-CN" altLang="en-US"/>
+            </a:br>
+            <a:r>
+              <a:rPr lang="en-US" altLang="zh-CN"/>
+              <a:t>6.</a:t>
+            </a:r>
+            <a:r>
+              <a:rPr lang="zh-CN" altLang="en-US"/>
+              <a:t>交互式终端程序</a:t>
+            </a:r>
+            <a:br>
+              <a:rPr lang="zh-CN" altLang="en-US"/>
+            </a:br>
+            <a:r>
+              <a:rPr lang="en-US" altLang="zh-CN"/>
+              <a:t>7.</a:t>
+            </a:r>
+            <a:r>
+              <a:rPr lang="zh-CN" altLang="en-US"/>
+              <a:t>单元测试工具</a:t>
+            </a:r>
+            <a:br>
+              <a:rPr lang="zh-CN" altLang="en-US"/>
+            </a:br>
+            <a:r>
+              <a:rPr lang="en-US" altLang="zh-CN"/>
+              <a:t>8.</a:t>
+            </a:r>
+            <a:r>
+              <a:rPr lang="zh-CN" altLang="en-US"/>
+              <a:t>客户端</a:t>
+            </a:r>
+            <a:r>
+              <a:rPr lang="en-US" altLang="zh-CN"/>
+              <a:t>JavaScript</a:t>
+            </a:r>
+            <a:r>
+              <a:rPr lang="zh-CN" altLang="en-US"/>
+              <a:t>编译器</a:t>
+            </a:r>
+            <a:endParaRPr lang="en-US" altLang="zh-CN"/>
+          </a:p>
+          <a:p>
+            <a:pPr indent="0">
+              <a:lnSpc>
+                <a:spcPct val="170000"/>
+              </a:lnSpc>
+              <a:buNone/>
+            </a:pPr>
+            <a:r>
+              <a:rPr lang="en-US" altLang="zh-CN"/>
+              <a:t>9.写一些工具库 webpack, cli</a:t>
+            </a:r>
+            <a:endParaRPr lang="en-US" altLang="zh-CN"/>
+          </a:p>
+        </p:txBody>
+      </p:sp>
+    </p:spTree>
+    <p:custDataLst>
+      <p:tags r:id="rId1"/>
+    </p:custDataLst>
+  </p:cSld>
+  <p:clrMapOvr>
+    <a:masterClrMapping/>
+  </p:clrMapOvr>
+</p:sld>
+</file>
+
+<file path=ppt/slides/slide5.xml><?xml version="1.0" encoding="utf-8"?>
+<p:sld xmlns:a="http://schemas.openxmlformats.org/drawingml/2006/main" xmlns:r="http://schemas.openxmlformats.org/officeDocument/2006/relationships" xmlns:p="http://schemas.openxmlformats.org/presentationml/2006/main">
+  <p:cSld>
+    <p:spTree>
+      <p:nvGrpSpPr>
+        <p:cNvPr id="1" name=""/>
+        <p:cNvGrpSpPr/>
+        <p:nvPr/>
+      </p:nvGrpSpPr>
+      <p:grpSpPr/>
+      <p:sp>
+        <p:nvSpPr>
+          <p:cNvPr id="2" name="标题 1"/>
+          <p:cNvSpPr>
+            <a:spLocks noGrp="1"/>
+          </p:cNvSpPr>
+          <p:nvPr>
+            <p:ph type="title"/>
+          </p:nvPr>
+        </p:nvSpPr>
+        <p:spPr>
+          <a:xfrm>
+            <a:off x="838200" y="365125"/>
+            <a:ext cx="10515600" cy="1325563"/>
+          </a:xfrm>
+        </p:spPr>
+        <p:txBody>
+          <a:bodyPr/>
+          <a:p>
+            <a:r>
+              <a:rPr lang="en-US" altLang="zh-CN"/>
+              <a:t>1.3 NodeJS</a:t>
+            </a:r>
+            <a:r>
+              <a:rPr lang="zh-CN" altLang="en-US"/>
+              <a:t>环境配置</a:t>
+            </a:r>
+            <a:endParaRPr lang="zh-CN" altLang="en-US"/>
+          </a:p>
+        </p:txBody>
+      </p:sp>
+      <p:sp>
+        <p:nvSpPr>
+          <p:cNvPr id="3" name="内容占位符 2"/>
+          <p:cNvSpPr>
+            <a:spLocks noGrp="1"/>
+          </p:cNvSpPr>
+          <p:nvPr>
+            <p:ph idx="1"/>
+          </p:nvPr>
+        </p:nvSpPr>
+        <p:spPr>
+          <a:xfrm>
+            <a:off x="304165" y="1774825"/>
+            <a:ext cx="9982835" cy="4351655"/>
+          </a:xfrm>
+        </p:spPr>
+        <p:txBody>
+          <a:bodyPr/>
+          <a:p>
+            <a:pPr marL="0" indent="0">
+              <a:buNone/>
+            </a:pPr>
+            <a:r>
+              <a:rPr lang="zh-CN" altLang="en-US"/>
+              <a:t>（</a:t>
+            </a:r>
+            <a:r>
+              <a:rPr lang="en-US" altLang="zh-CN"/>
+              <a:t>1</a:t>
+            </a:r>
+            <a:r>
+              <a:rPr lang="zh-CN" altLang="en-US"/>
+              <a:t>）环境搭建</a:t>
+            </a:r>
+            <a:endParaRPr lang="zh-CN" altLang="en-US"/>
+          </a:p>
+          <a:p>
+            <a:pPr marL="0" indent="0">
+              <a:buNone/>
+            </a:pPr>
+            <a:r>
+              <a:rPr lang="zh-CN" altLang="en-US"/>
+              <a:t>   1.从官网下载安装即可 https://nodejs.org/en/download/</a:t>
+            </a:r>
+            <a:endParaRPr lang="zh-CN" altLang="en-US"/>
+          </a:p>
+          <a:p>
+            <a:pPr marL="0" indent="0">
+              <a:buNone/>
+            </a:pPr>
+            <a:r>
+              <a:rPr lang="zh-CN" altLang="en-US"/>
+              <a:t>   2.在终端运行  node --version 查看版本</a:t>
+            </a:r>
+            <a:endParaRPr lang="zh-CN" altLang="en-US"/>
+          </a:p>
+          <a:p>
+            <a:pPr marL="0" indent="0">
+              <a:buNone/>
+            </a:pPr>
+            <a:endParaRPr lang="zh-CN" altLang="en-US"/>
+          </a:p>
+          <a:p>
+            <a:pPr marL="0" indent="0">
+              <a:buNone/>
+            </a:pPr>
+            <a:r>
+              <a:rPr lang="zh-CN" altLang="en-US"/>
+              <a:t>（</a:t>
+            </a:r>
+            <a:r>
+              <a:rPr lang="en-US" altLang="zh-CN"/>
+              <a:t>2</a:t>
+            </a:r>
+            <a:r>
+              <a:rPr lang="zh-CN" altLang="en-US"/>
+              <a:t>）</a:t>
+            </a:r>
+            <a:r>
+              <a:rPr lang="en-US" altLang="zh-CN"/>
+              <a:t> </a:t>
+            </a:r>
+            <a:r>
+              <a:rPr lang="zh-CN" altLang="en-US"/>
+              <a:t>常用命令</a:t>
+            </a:r>
+            <a:endParaRPr lang="zh-CN" altLang="en-US"/>
+          </a:p>
+          <a:p>
+            <a:pPr marL="0" indent="0">
+              <a:buNone/>
+            </a:pPr>
+            <a:r>
+              <a:rPr lang="zh-CN" altLang="en-US"/>
+              <a:t>    1.查看node版本:  node -v</a:t>
+            </a:r>
+            <a:endParaRPr lang="zh-CN" altLang="en-US"/>
+          </a:p>
+          <a:p>
+            <a:pPr marL="0" indent="0">
+              <a:buNone/>
+            </a:pPr>
+            <a:r>
+              <a:rPr lang="zh-CN" altLang="en-US"/>
+              <a:t>    2.运行js文件：  node index.js</a:t>
+            </a:r>
+            <a:endParaRPr lang="zh-CN" altLang="en-US"/>
+          </a:p>
+        </p:txBody>
+      </p:sp>
+    </p:spTree>
+    <p:custDataLst>
+      <p:tags r:id="rId1"/>
+    </p:custDataLst>
+  </p:cSld>
+  <p:clrMapOvr>
+    <a:masterClrMapping/>
+  </p:clrMapOvr>
+</p:sld>
+</file>
+
+<file path=ppt/slides/slide6.xml><?xml version="1.0" encoding="utf-8"?>
+<p:sld xmlns:a="http://schemas.openxmlformats.org/drawingml/2006/main" xmlns:r="http://schemas.openxmlformats.org/officeDocument/2006/relationships" xmlns:p="http://schemas.openxmlformats.org/presentationml/2006/main">
+  <p:cSld>
+    <p:spTree>
+      <p:nvGrpSpPr>
+        <p:cNvPr id="1" name=""/>
+        <p:cNvGrpSpPr/>
+        <p:nvPr/>
+      </p:nvGrpSpPr>
+      <p:grpSpPr/>
+      <p:sp>
+        <p:nvSpPr>
+          <p:cNvPr id="2" name="标题 1"/>
+          <p:cNvSpPr>
+            <a:spLocks noGrp="1"/>
+          </p:cNvSpPr>
+          <p:nvPr>
+            <p:ph type="title"/>
+          </p:nvPr>
+        </p:nvSpPr>
+        <p:spPr/>
+        <p:txBody>
+          <a:bodyPr>
+            <a:normAutofit/>
+          </a:bodyPr>
+          <a:p>
+            <a:r>
+              <a:rPr lang="en-US" altLang="zh-CN"/>
+              <a:t>1.4 NPM</a:t>
+            </a:r>
+            <a:endParaRPr lang="en-US" altLang="zh-CN" sz="2000"/>
+          </a:p>
+        </p:txBody>
+      </p:sp>
+      <p:sp>
+        <p:nvSpPr>
+          <p:cNvPr id="4" name="文本框 3"/>
+          <p:cNvSpPr txBox="1"/>
+          <p:nvPr/>
+        </p:nvSpPr>
+        <p:spPr>
+          <a:xfrm>
+            <a:off x="635635" y="1767205"/>
+            <a:ext cx="8025765" cy="2584450"/>
+          </a:xfrm>
+          <a:prstGeom prst="rect">
+            <a:avLst/>
+          </a:prstGeom>
+          <a:noFill/>
+        </p:spPr>
+        <p:txBody>
+          <a:bodyPr wrap="square" rtlCol="0" anchor="t">
+            <a:spAutoFit/>
+          </a:bodyPr>
+          <a:p>
+            <a:r>
+              <a:rPr lang="zh-CN" altLang="en-US"/>
+              <a:t>NPM：Node Package Manager。官方链接： https://www.npmjs.com/</a:t>
+            </a:r>
+            <a:endParaRPr lang="zh-CN" altLang="en-US"/>
+          </a:p>
+          <a:p>
+            <a:endParaRPr lang="zh-CN" altLang="en-US"/>
+          </a:p>
+          <a:p>
+            <a:r>
+              <a:rPr lang="zh-CN" altLang="en-US"/>
+              <a:t>随着时间的发展，NPM 出现了两层概念：</a:t>
+            </a:r>
+            <a:endParaRPr lang="zh-CN" altLang="en-US"/>
+          </a:p>
+          <a:p>
+            <a:endParaRPr lang="zh-CN" altLang="en-US"/>
+          </a:p>
+          <a:p>
+            <a:r>
+              <a:rPr lang="zh-CN" altLang="en-US"/>
+              <a:t>一层含义是 Node 的开放式模块登记和管理系统，亦可以说是一个生态圈，一个社区。</a:t>
+            </a:r>
+            <a:endParaRPr lang="zh-CN" altLang="en-US"/>
+          </a:p>
+          <a:p>
+            <a:endParaRPr lang="zh-CN" altLang="en-US"/>
+          </a:p>
+          <a:p>
+            <a:r>
+              <a:rPr lang="zh-CN" altLang="en-US"/>
+              <a:t>另一层含义是 Node 默认的模块管理器，是一个命令行下的软件，用来安装和管理 Node 模块。</a:t>
+            </a:r>
+            <a:endParaRPr lang="zh-CN" altLang="en-US"/>
+          </a:p>
+        </p:txBody>
+      </p:sp>
+    </p:spTree>
+    <p:custDataLst>
+      <p:tags r:id="rId1"/>
+    </p:custDataLst>
+  </p:cSld>
+  <p:clrMapOvr>
+    <a:masterClrMapping/>
+  </p:clrMapOvr>
+</p:sld>
+</file>
+
+<file path=ppt/slides/slide7.xml><?xml version="1.0" encoding="utf-8"?>
+<p:sld xmlns:a="http://schemas.openxmlformats.org/drawingml/2006/main" xmlns:r="http://schemas.openxmlformats.org/officeDocument/2006/relationships" xmlns:p="http://schemas.openxmlformats.org/presentationml/2006/main">
+  <p:cSld>
+    <p:spTree>
+      <p:nvGrpSpPr>
+        <p:cNvPr id="1" name=""/>
+        <p:cNvGrpSpPr/>
+        <p:nvPr/>
+      </p:nvGrpSpPr>
+      <p:grpSpPr/>
+      <p:sp>
+        <p:nvSpPr>
+          <p:cNvPr id="2" name="标题 1"/>
+          <p:cNvSpPr>
+            <a:spLocks noGrp="1"/>
+          </p:cNvSpPr>
+          <p:nvPr>
+            <p:ph type="title"/>
+          </p:nvPr>
+        </p:nvSpPr>
+        <p:spPr/>
+        <p:txBody>
+          <a:bodyPr/>
+          <a:p>
+            <a:r>
+              <a:rPr lang="en-US" altLang="zh-CN"/>
+              <a:t>1.4 NPM </a:t>
+            </a:r>
+            <a:r>
+              <a:rPr lang="zh-CN" altLang="en-US"/>
+              <a:t>常用命令</a:t>
+            </a:r>
+            <a:endParaRPr lang="zh-CN" altLang="en-US"/>
+          </a:p>
+        </p:txBody>
+      </p:sp>
+      <p:sp>
+        <p:nvSpPr>
+          <p:cNvPr id="4" name="文本框 3"/>
+          <p:cNvSpPr txBox="1"/>
+          <p:nvPr/>
+        </p:nvSpPr>
+        <p:spPr>
+          <a:xfrm>
+            <a:off x="520700" y="1691005"/>
+            <a:ext cx="9155430" cy="4548505"/>
+          </a:xfrm>
+          <a:prstGeom prst="rect">
+            <a:avLst/>
+          </a:prstGeom>
+          <a:noFill/>
+        </p:spPr>
+        <p:txBody>
+          <a:bodyPr wrap="square" rtlCol="0" anchor="t">
+            <a:spAutoFit/>
+          </a:bodyPr>
+          <a:p>
+            <a:pPr>
+              <a:lnSpc>
+                <a:spcPct val="230000"/>
+              </a:lnSpc>
+            </a:pPr>
+            <a:r>
+              <a:rPr lang="zh-CN" altLang="en-US"/>
+              <a:t>1. npm -v   查看版本, 注意：NPM 不需要单独安装。默认在安装 Node 的时候，会连带一起安装 NPM </a:t>
+            </a:r>
+            <a:endParaRPr lang="zh-CN" altLang="en-US"/>
+          </a:p>
+          <a:p>
+            <a:pPr>
+              <a:lnSpc>
+                <a:spcPct val="230000"/>
+              </a:lnSpc>
+            </a:pPr>
+            <a:r>
+              <a:rPr lang="zh-CN" altLang="en-US"/>
+              <a:t>2. npm install npm -g    更新到最新版本，Node 附带的 NPM 可能不是最新版本，可以用此命令去更新为最新的</a:t>
+            </a:r>
+            <a:endParaRPr lang="zh-CN" altLang="en-US"/>
+          </a:p>
+          <a:p>
+            <a:pPr>
+              <a:lnSpc>
+                <a:spcPct val="230000"/>
+              </a:lnSpc>
+            </a:pPr>
+            <a:r>
+              <a:rPr lang="zh-CN" altLang="en-US"/>
+              <a:t>3. npm init --yes  快速生成package.json文件</a:t>
+            </a:r>
+            <a:endParaRPr lang="zh-CN" altLang="en-US"/>
+          </a:p>
+          <a:p>
+            <a:pPr>
+              <a:lnSpc>
+                <a:spcPct val="230000"/>
+              </a:lnSpc>
+            </a:pPr>
+            <a:r>
+              <a:rPr lang="zh-CN" altLang="en-US"/>
+              <a:t>4. npm install [package]  只在当前工程下安装package， 可附带参数 -g -D --save</a:t>
+            </a:r>
+            <a:endParaRPr lang="zh-CN" altLang="en-US"/>
+          </a:p>
+          <a:p>
+            <a:pPr>
+              <a:lnSpc>
+                <a:spcPct val="230000"/>
+              </a:lnSpc>
+            </a:pPr>
+            <a:r>
+              <a:rPr lang="zh-CN" altLang="en-US"/>
+              <a:t>5.npm run  [script]  运行</a:t>
+            </a:r>
+            <a:endParaRPr lang="zh-CN" altLang="en-US"/>
+          </a:p>
+        </p:txBody>
+      </p:sp>
+    </p:spTree>
+    <p:custDataLst>
+      <p:tags r:id="rId1"/>
+    </p:custDataLst>
+  </p:cSld>
+  <p:clrMapOvr>
+    <a:masterClrMapping/>
+  </p:clrMapOvr>
+</p:sld>
+</file>
+
+<file path=ppt/slides/slide8.xml><?xml version="1.0" encoding="utf-8"?>
+<p:sld xmlns:a="http://schemas.openxmlformats.org/drawingml/2006/main" xmlns:r="http://schemas.openxmlformats.org/officeDocument/2006/relationships" xmlns:p="http://schemas.openxmlformats.org/presentationml/2006/main">
+  <p:cSld>
+    <p:spTree>
+      <p:nvGrpSpPr>
+        <p:cNvPr id="1" name=""/>
+        <p:cNvGrpSpPr/>
+        <p:nvPr/>
+      </p:nvGrpSpPr>
+      <p:grpSpPr/>
+      <p:sp>
+        <p:nvSpPr>
+          <p:cNvPr id="2" name="标题 1"/>
+          <p:cNvSpPr>
+            <a:spLocks noGrp="1"/>
+          </p:cNvSpPr>
+          <p:nvPr>
+            <p:ph type="title"/>
+          </p:nvPr>
+        </p:nvSpPr>
+        <p:spPr/>
+        <p:txBody>
+          <a:bodyPr/>
+          <a:p>
+            <a:r>
+              <a:rPr lang="zh-CN" altLang="en-US"/>
+              <a:t>第一章重点回顾</a:t>
+            </a:r>
+            <a:endParaRPr lang="zh-CN" altLang="en-US"/>
+          </a:p>
+        </p:txBody>
+      </p:sp>
+      <p:sp>
+        <p:nvSpPr>
+          <p:cNvPr id="4" name="文本框 3"/>
+          <p:cNvSpPr txBox="1"/>
+          <p:nvPr/>
+        </p:nvSpPr>
+        <p:spPr>
+          <a:xfrm>
+            <a:off x="749300" y="1691005"/>
+            <a:ext cx="3496945" cy="1198880"/>
+          </a:xfrm>
+          <a:prstGeom prst="rect">
+            <a:avLst/>
+          </a:prstGeom>
+          <a:noFill/>
+        </p:spPr>
+        <p:txBody>
+          <a:bodyPr wrap="square" rtlCol="0">
+            <a:spAutoFit/>
+          </a:bodyPr>
+          <a:p>
+            <a:pPr>
+              <a:lnSpc>
+                <a:spcPct val="200000"/>
+              </a:lnSpc>
+            </a:pPr>
+            <a:r>
+              <a:rPr lang="en-US" altLang="zh-CN"/>
+              <a:t>1.NodeJS</a:t>
+            </a:r>
+            <a:r>
+              <a:rPr lang="zh-CN" altLang="en-US"/>
+              <a:t>是什么</a:t>
+            </a:r>
+            <a:endParaRPr lang="zh-CN" altLang="en-US"/>
+          </a:p>
+          <a:p>
+            <a:pPr>
+              <a:lnSpc>
+                <a:spcPct val="200000"/>
+              </a:lnSpc>
+            </a:pPr>
+            <a:r>
+              <a:rPr lang="en-US" altLang="zh-CN"/>
+              <a:t>2.NPM</a:t>
+            </a:r>
+            <a:r>
+              <a:rPr lang="zh-CN" altLang="en-US"/>
+              <a:t>常用命令有哪些</a:t>
+            </a:r>
+            <a:endParaRPr lang="zh-CN" altLang="en-US"/>
+          </a:p>
+        </p:txBody>
+      </p:sp>
+    </p:spTree>
+    <p:custDataLst>
+      <p:tags r:id="rId1"/>
+    </p:custDataLst>
+  </p:cSld>
+  <p:clrMapOvr>
+    <a:masterClrMapping/>
+  </p:clrMapOvr>
+</p:sld>
+</file>
+
+<file path=ppt/slides/slide9.xml><?xml version="1.0" encoding="utf-8"?>
 <p:sld xmlns:a="http://schemas.openxmlformats.org/drawingml/2006/main" xmlns:r="http://schemas.openxmlformats.org/officeDocument/2006/relationships" xmlns:p="http://schemas.openxmlformats.org/presentationml/2006/main">
   <p:cSld>
     <p:spTree>
@@ -8515,7 +9817,7 @@
           <a:p>
             <a:r>
               <a:rPr lang="en-US" altLang="zh-CN"/>
-              <a:t>1.1 </a:t>
+              <a:t>2.1 </a:t>
             </a:r>
             <a:r>
               <a:rPr lang="zh-CN" altLang="en-US"/>
@@ -8528,1512 +9830,6 @@
     </p:spTree>
     <p:custDataLst>
       <p:tags r:id="rId17"/>
-    </p:custDataLst>
-  </p:cSld>
-  <p:clrMapOvr>
-    <a:masterClrMapping/>
-  </p:clrMapOvr>
-</p:sld>
-</file>
-
-<file path=ppt/slides/slide4.xml><?xml version="1.0" encoding="utf-8"?>
-<p:sld xmlns:a="http://schemas.openxmlformats.org/drawingml/2006/main" xmlns:r="http://schemas.openxmlformats.org/officeDocument/2006/relationships" xmlns:p="http://schemas.openxmlformats.org/presentationml/2006/main">
-  <p:cSld>
-    <p:spTree>
-      <p:nvGrpSpPr>
-        <p:cNvPr id="1" name=""/>
-        <p:cNvGrpSpPr/>
-        <p:nvPr/>
-      </p:nvGrpSpPr>
-      <p:grpSpPr/>
-      <p:sp>
-        <p:nvSpPr>
-          <p:cNvPr id="2" name="标题 1"/>
-          <p:cNvSpPr>
-            <a:spLocks noGrp="1"/>
-          </p:cNvSpPr>
-          <p:nvPr>
-            <p:ph type="title"/>
-          </p:nvPr>
-        </p:nvSpPr>
-        <p:spPr>
-          <a:xfrm>
-            <a:off x="1211580" y="365125"/>
-            <a:ext cx="10142220" cy="1325880"/>
-          </a:xfrm>
-        </p:spPr>
-        <p:txBody>
-          <a:bodyPr>
-            <a:normAutofit/>
-          </a:bodyPr>
-          <a:p>
-            <a:r>
-              <a:rPr lang="en-US" altLang="zh-CN"/>
-              <a:t>1.2 Vue</a:t>
-            </a:r>
-            <a:r>
-              <a:rPr lang="zh-CN" altLang="en-US"/>
-              <a:t>的优点</a:t>
-            </a:r>
-            <a:endParaRPr lang="zh-CN" altLang="en-US"/>
-          </a:p>
-        </p:txBody>
-      </p:sp>
-      <p:sp>
-        <p:nvSpPr>
-          <p:cNvPr id="3" name="内容占位符 2"/>
-          <p:cNvSpPr>
-            <a:spLocks noGrp="1"/>
-          </p:cNvSpPr>
-          <p:nvPr>
-            <p:ph idx="1"/>
-          </p:nvPr>
-        </p:nvSpPr>
-        <p:spPr>
-          <a:xfrm>
-            <a:off x="1496060" y="1580515"/>
-            <a:ext cx="8405495" cy="5165090"/>
-          </a:xfrm>
-        </p:spPr>
-        <p:txBody>
-          <a:bodyPr>
-            <a:normAutofit/>
-          </a:bodyPr>
-          <a:p>
-            <a:pPr marL="0" indent="0">
-              <a:buNone/>
-            </a:pPr>
-            <a:r>
-              <a:rPr lang="en-US" altLang="zh-CN"/>
-              <a:t>1.轻量级框架</a:t>
-            </a:r>
-            <a:endParaRPr lang="en-US" altLang="zh-CN"/>
-          </a:p>
-          <a:p>
-            <a:pPr marL="0" indent="0">
-              <a:buNone/>
-            </a:pPr>
-            <a:r>
-              <a:rPr lang="en-US" altLang="zh-CN"/>
-              <a:t>2.</a:t>
-            </a:r>
-            <a:r>
-              <a:rPr lang="zh-CN" altLang="en-US"/>
-              <a:t>简单易学</a:t>
-            </a:r>
-            <a:endParaRPr lang="en-US" altLang="zh-CN" sz="1800"/>
-          </a:p>
-          <a:p>
-            <a:pPr marL="0" indent="0">
-              <a:buNone/>
-            </a:pPr>
-            <a:r>
-              <a:rPr lang="en-US" altLang="zh-CN"/>
-              <a:t>3.组件化</a:t>
-            </a:r>
-            <a:endParaRPr lang="en-US" altLang="zh-CN" sz="1800"/>
-          </a:p>
-          <a:p>
-            <a:pPr marL="0" indent="0">
-              <a:buNone/>
-            </a:pPr>
-            <a:r>
-              <a:rPr lang="en-US" altLang="zh-CN"/>
-              <a:t>4.视图,数据,结构分离</a:t>
-            </a:r>
-            <a:r>
-              <a:rPr lang="zh-CN" altLang="en-US"/>
-              <a:t>（</a:t>
-            </a:r>
-            <a:r>
-              <a:rPr lang="en-US" altLang="zh-CN"/>
-              <a:t>MVVM</a:t>
-            </a:r>
-            <a:r>
-              <a:rPr lang="zh-CN" altLang="en-US"/>
-              <a:t>）</a:t>
-            </a:r>
-            <a:endParaRPr lang="en-US" altLang="zh-CN"/>
-          </a:p>
-          <a:p>
-            <a:pPr marL="0" indent="0">
-              <a:buNone/>
-            </a:pPr>
-            <a:r>
-              <a:rPr lang="en-US" altLang="zh-CN"/>
-              <a:t>5.运行速度更快</a:t>
-            </a:r>
-            <a:endParaRPr lang="en-US" altLang="zh-CN"/>
-          </a:p>
-          <a:p>
-            <a:pPr marL="0" indent="0">
-              <a:buNone/>
-            </a:pPr>
-            <a:r>
-              <a:rPr lang="en-US" altLang="zh-CN">
-                <a:sym typeface="+mn-ea"/>
-              </a:rPr>
-              <a:t>6.</a:t>
-            </a:r>
-            <a:r>
-              <a:rPr lang="zh-CN" altLang="en-US">
-                <a:sym typeface="+mn-ea"/>
-              </a:rPr>
-              <a:t>双向数据绑定</a:t>
-            </a:r>
-            <a:endParaRPr lang="zh-CN" altLang="en-US"/>
-          </a:p>
-          <a:p>
-            <a:pPr marL="0" indent="0">
-              <a:buNone/>
-            </a:pPr>
-            <a:r>
-              <a:rPr lang="en-US" altLang="zh-CN">
-                <a:sym typeface="+mn-ea"/>
-              </a:rPr>
-              <a:t>  </a:t>
-            </a:r>
-            <a:r>
-              <a:rPr lang="en-US" altLang="zh-CN" sz="1600">
-                <a:sym typeface="+mn-ea"/>
-              </a:rPr>
-              <a:t>     这也就是vue.js最大的优点，通过MVVM思想实现数据的双向绑定，让开发者不用再操作dom对象，有更多的时间去思考业务逻辑</a:t>
-            </a:r>
-            <a:endParaRPr lang="en-US" altLang="zh-CN" sz="1600"/>
-          </a:p>
-        </p:txBody>
-      </p:sp>
-    </p:spTree>
-    <p:custDataLst>
-      <p:tags r:id="rId1"/>
-    </p:custDataLst>
-  </p:cSld>
-  <p:clrMapOvr>
-    <a:masterClrMapping/>
-  </p:clrMapOvr>
-</p:sld>
-</file>
-
-<file path=ppt/slides/slide5.xml><?xml version="1.0" encoding="utf-8"?>
-<p:sld xmlns:a="http://schemas.openxmlformats.org/drawingml/2006/main" xmlns:r="http://schemas.openxmlformats.org/officeDocument/2006/relationships" xmlns:p="http://schemas.openxmlformats.org/presentationml/2006/main">
-  <p:cSld>
-    <p:spTree>
-      <p:nvGrpSpPr>
-        <p:cNvPr id="1" name=""/>
-        <p:cNvGrpSpPr/>
-        <p:nvPr/>
-      </p:nvGrpSpPr>
-      <p:grpSpPr/>
-      <p:sp>
-        <p:nvSpPr>
-          <p:cNvPr id="2" name="标题 1"/>
-          <p:cNvSpPr>
-            <a:spLocks noGrp="1"/>
-          </p:cNvSpPr>
-          <p:nvPr>
-            <p:ph type="title"/>
-          </p:nvPr>
-        </p:nvSpPr>
-        <p:spPr/>
-        <p:txBody>
-          <a:bodyPr/>
-          <a:p>
-            <a:r>
-              <a:rPr lang="en-US" altLang="zh-CN"/>
-              <a:t>1.3 </a:t>
-            </a:r>
-            <a:r>
-              <a:rPr lang="zh-CN" altLang="en-US"/>
-              <a:t>安装</a:t>
-            </a:r>
-            <a:endParaRPr lang="zh-CN" altLang="en-US"/>
-          </a:p>
-        </p:txBody>
-      </p:sp>
-      <p:sp>
-        <p:nvSpPr>
-          <p:cNvPr id="3" name="内容占位符 2"/>
-          <p:cNvSpPr>
-            <a:spLocks noGrp="1"/>
-          </p:cNvSpPr>
-          <p:nvPr>
-            <p:ph idx="1"/>
-          </p:nvPr>
-        </p:nvSpPr>
-        <p:spPr>
-          <a:xfrm>
-            <a:off x="838200" y="1854200"/>
-            <a:ext cx="10515600" cy="4323080"/>
-          </a:xfrm>
-        </p:spPr>
-        <p:txBody>
-          <a:bodyPr/>
-          <a:p>
-            <a:pPr marL="0" indent="0">
-              <a:buNone/>
-            </a:pPr>
-            <a:r>
-              <a:rPr lang="zh-CN" altLang="en-US">
-                <a:hlinkClick r:id="rId1" action="ppaction://hlinkfile"/>
-              </a:rPr>
-              <a:t>官网安装指南</a:t>
-            </a:r>
-            <a:r>
-              <a:rPr lang="en-US" altLang="zh-CN">
-                <a:hlinkClick r:id="rId1" action="ppaction://hlinkfile"/>
-              </a:rPr>
-              <a:t>:</a:t>
-            </a:r>
-            <a:endParaRPr lang="en-US" altLang="zh-CN"/>
-          </a:p>
-          <a:p>
-            <a:pPr marL="457200" indent="-457200">
-              <a:buAutoNum type="arabicPeriod"/>
-            </a:pPr>
-            <a:r>
-              <a:rPr lang="en-US" altLang="zh-CN"/>
-              <a:t>CDN</a:t>
-            </a:r>
-            <a:r>
-              <a:rPr lang="zh-CN" altLang="en-US"/>
-              <a:t>引入</a:t>
-            </a:r>
-            <a:endParaRPr lang="zh-CN" altLang="en-US"/>
-          </a:p>
-          <a:p>
-            <a:pPr marL="457200" indent="-457200">
-              <a:buAutoNum type="arabicPeriod"/>
-            </a:pPr>
-            <a:r>
-              <a:rPr lang="zh-CN" altLang="en-US"/>
-              <a:t>下载和引入</a:t>
-            </a:r>
-            <a:endParaRPr lang="zh-CN" altLang="en-US"/>
-          </a:p>
-          <a:p>
-            <a:pPr marL="457200" indent="-457200">
-              <a:buAutoNum type="arabicPeriod"/>
-            </a:pPr>
-            <a:r>
-              <a:rPr lang="en-US" altLang="zh-CN"/>
-              <a:t>NPM</a:t>
-            </a:r>
-            <a:r>
-              <a:rPr lang="zh-CN" altLang="en-US"/>
-              <a:t>安装管理</a:t>
-            </a:r>
-            <a:endParaRPr lang="zh-CN" altLang="en-US"/>
-          </a:p>
-          <a:p>
-            <a:pPr marL="0" indent="0">
-              <a:buNone/>
-            </a:pPr>
-            <a:r>
-              <a:rPr lang="zh-CN" altLang="en-US"/>
-              <a:t>    </a:t>
-            </a:r>
-            <a:r>
-              <a:rPr lang="en-US" altLang="zh-CN"/>
-              <a:t>3.1 </a:t>
-            </a:r>
-            <a:r>
-              <a:rPr lang="zh-CN" altLang="en-US"/>
-              <a:t>安装</a:t>
-            </a:r>
-            <a:r>
-              <a:rPr lang="en-US" altLang="zh-CN"/>
-              <a:t>npm(http://nodejs.cn/)</a:t>
-            </a:r>
-            <a:endParaRPr lang="en-US" altLang="zh-CN"/>
-          </a:p>
-          <a:p>
-            <a:pPr marL="0" indent="0">
-              <a:buNone/>
-            </a:pPr>
-            <a:r>
-              <a:rPr lang="en-US" altLang="zh-CN"/>
-              <a:t>    3.2 </a:t>
-            </a:r>
-            <a:r>
-              <a:rPr lang="zh-CN" altLang="en-US"/>
-              <a:t>安装</a:t>
-            </a:r>
-            <a:r>
-              <a:rPr lang="en-US" altLang="zh-CN"/>
-              <a:t>Vue-cli</a:t>
-            </a:r>
-            <a:r>
-              <a:rPr lang="zh-CN" altLang="en-US"/>
-              <a:t>脚手架</a:t>
-            </a:r>
-            <a:r>
-              <a:rPr lang="en-US" altLang="zh-CN"/>
-              <a:t>(npm install -g @vue/cli)</a:t>
-            </a:r>
-            <a:endParaRPr lang="zh-CN" altLang="en-US"/>
-          </a:p>
-          <a:p>
-            <a:pPr marL="0" indent="0">
-              <a:buNone/>
-            </a:pPr>
-            <a:r>
-              <a:rPr lang="zh-CN" altLang="en-US"/>
-              <a:t>    </a:t>
-            </a:r>
-            <a:r>
-              <a:rPr lang="en-US" altLang="zh-CN"/>
-              <a:t>3.3 </a:t>
-            </a:r>
-            <a:r>
-              <a:rPr lang="zh-CN" altLang="en-US"/>
-              <a:t>创建项目</a:t>
-            </a:r>
-            <a:r>
-              <a:rPr lang="en-US" altLang="zh-CN"/>
-              <a:t>(vue init webpack projectName)</a:t>
-            </a:r>
-            <a:endParaRPr lang="en-US" altLang="zh-CN"/>
-          </a:p>
-          <a:p>
-            <a:pPr marL="0" indent="0">
-              <a:buNone/>
-            </a:pPr>
-            <a:r>
-              <a:rPr lang="en-US" altLang="zh-CN"/>
-              <a:t>    3.4 npm run dev</a:t>
-            </a:r>
-            <a:endParaRPr lang="en-US" altLang="zh-CN"/>
-          </a:p>
-        </p:txBody>
-      </p:sp>
-    </p:spTree>
-    <p:custDataLst>
-      <p:tags r:id="rId2"/>
-    </p:custDataLst>
-  </p:cSld>
-  <p:clrMapOvr>
-    <a:masterClrMapping/>
-  </p:clrMapOvr>
-</p:sld>
-</file>
-
-<file path=ppt/slides/slide6.xml><?xml version="1.0" encoding="utf-8"?>
-<p:sld xmlns:a="http://schemas.openxmlformats.org/drawingml/2006/main" xmlns:r="http://schemas.openxmlformats.org/officeDocument/2006/relationships" xmlns:p="http://schemas.openxmlformats.org/presentationml/2006/main">
-  <p:cSld>
-    <p:spTree>
-      <p:nvGrpSpPr>
-        <p:cNvPr id="1" name=""/>
-        <p:cNvGrpSpPr/>
-        <p:nvPr/>
-      </p:nvGrpSpPr>
-      <p:grpSpPr/>
-      <p:sp>
-        <p:nvSpPr>
-          <p:cNvPr id="2" name="标题 1"/>
-          <p:cNvSpPr>
-            <a:spLocks noGrp="1"/>
-          </p:cNvSpPr>
-          <p:nvPr>
-            <p:ph type="title"/>
-          </p:nvPr>
-        </p:nvSpPr>
-        <p:spPr>
-          <a:xfrm>
-            <a:off x="838200" y="548640"/>
-            <a:ext cx="10515600" cy="898525"/>
-          </a:xfrm>
-        </p:spPr>
-        <p:txBody>
-          <a:bodyPr>
-            <a:normAutofit/>
-          </a:bodyPr>
-          <a:p>
-            <a:r>
-              <a:rPr lang="en-US" altLang="zh-CN"/>
-              <a:t>2.1 </a:t>
-            </a:r>
-            <a:r>
-              <a:rPr lang="zh-CN" altLang="zh-CN"/>
-              <a:t>第一个</a:t>
-            </a:r>
-            <a:r>
-              <a:rPr lang="en-US" altLang="zh-CN"/>
-              <a:t>Demo</a:t>
-            </a:r>
-            <a:endParaRPr lang="en-US" altLang="zh-CN"/>
-          </a:p>
-        </p:txBody>
-      </p:sp>
-      <p:sp>
-        <p:nvSpPr>
-          <p:cNvPr id="3" name="内容占位符 2"/>
-          <p:cNvSpPr>
-            <a:spLocks noGrp="1"/>
-          </p:cNvSpPr>
-          <p:nvPr>
-            <p:ph idx="1"/>
-          </p:nvPr>
-        </p:nvSpPr>
-        <p:spPr>
-          <a:xfrm>
-            <a:off x="838200" y="1447165"/>
-            <a:ext cx="10515600" cy="5345430"/>
-          </a:xfrm>
-        </p:spPr>
-        <p:txBody>
-          <a:bodyPr>
-            <a:normAutofit lnSpcReduction="10000"/>
-          </a:bodyPr>
-          <a:p>
-            <a:pPr marL="0" indent="0">
-              <a:buNone/>
-            </a:pPr>
-            <a:endParaRPr lang="zh-CN" altLang="en-US" sz="2000"/>
-          </a:p>
-          <a:p>
-            <a:pPr marL="0" indent="0">
-              <a:buNone/>
-            </a:pPr>
-            <a:r>
-              <a:rPr lang="zh-CN" altLang="en-US" sz="2000"/>
-              <a:t>&lt;div id="</a:t>
-            </a:r>
-            <a:r>
-              <a:rPr lang="zh-CN" altLang="en-US" sz="2000">
-                <a:solidFill>
-                  <a:srgbClr val="FF0000"/>
-                </a:solidFill>
-              </a:rPr>
-              <a:t>app</a:t>
-            </a:r>
-            <a:r>
-              <a:rPr lang="zh-CN" altLang="en-US" sz="2000"/>
-              <a:t>"&gt;</a:t>
-            </a:r>
-            <a:endParaRPr lang="zh-CN" altLang="en-US" sz="2000"/>
-          </a:p>
-          <a:p>
-            <a:pPr marL="0" indent="0">
-              <a:buNone/>
-            </a:pPr>
-            <a:r>
-              <a:rPr lang="zh-CN" altLang="en-US" sz="2000"/>
-              <a:t>  &lt;p&gt;{{ </a:t>
-            </a:r>
-            <a:r>
-              <a:rPr lang="zh-CN" altLang="en-US">
-                <a:solidFill>
-                  <a:srgbClr val="00B050"/>
-                </a:solidFill>
-              </a:rPr>
-              <a:t>message</a:t>
-            </a:r>
-            <a:r>
-              <a:rPr lang="zh-CN" altLang="en-US">
-                <a:solidFill>
-                  <a:srgbClr val="00B0F0"/>
-                </a:solidFill>
-              </a:rPr>
-              <a:t> </a:t>
-            </a:r>
-            <a:r>
-              <a:rPr lang="zh-CN" altLang="en-US" sz="2000"/>
-              <a:t>}}&lt;/p&gt;</a:t>
-            </a:r>
-            <a:endParaRPr lang="zh-CN" altLang="en-US" sz="2000"/>
-          </a:p>
-          <a:p>
-            <a:pPr marL="0" indent="0">
-              <a:buNone/>
-            </a:pPr>
-            <a:r>
-              <a:rPr lang="zh-CN" altLang="en-US" sz="2000"/>
-              <a:t>&lt;/div&gt;</a:t>
-            </a:r>
-            <a:endParaRPr lang="zh-CN" altLang="en-US" sz="2000"/>
-          </a:p>
-          <a:p>
-            <a:pPr marL="0" indent="0">
-              <a:buNone/>
-            </a:pPr>
-            <a:endParaRPr lang="zh-CN" altLang="en-US" sz="2000"/>
-          </a:p>
-          <a:p>
-            <a:pPr marL="0" indent="0">
-              <a:buNone/>
-            </a:pPr>
-            <a:r>
-              <a:rPr lang="zh-CN" altLang="en-US" sz="2000"/>
-              <a:t>&lt;script&gt;</a:t>
-            </a:r>
-            <a:endParaRPr lang="zh-CN" altLang="en-US" sz="2000"/>
-          </a:p>
-          <a:p>
-            <a:pPr marL="0" indent="0">
-              <a:buNone/>
-            </a:pPr>
-            <a:r>
-              <a:rPr lang="zh-CN" altLang="en-US" sz="2000"/>
-              <a:t>var vm = new Vue({</a:t>
-            </a:r>
-            <a:endParaRPr lang="zh-CN" altLang="en-US" sz="2000"/>
-          </a:p>
-          <a:p>
-            <a:pPr marL="0" indent="0">
-              <a:buNone/>
-            </a:pPr>
-            <a:r>
-              <a:rPr lang="zh-CN" altLang="en-US" sz="2000"/>
-              <a:t>  el: '</a:t>
-            </a:r>
-            <a:r>
-              <a:rPr lang="zh-CN" altLang="en-US" sz="2000">
-                <a:solidFill>
-                  <a:srgbClr val="FF0000"/>
-                </a:solidFill>
-              </a:rPr>
-              <a:t>#app</a:t>
-            </a:r>
-            <a:r>
-              <a:rPr lang="zh-CN" altLang="en-US" sz="2000"/>
-              <a:t>',</a:t>
-            </a:r>
-            <a:endParaRPr lang="zh-CN" altLang="en-US" sz="2000"/>
-          </a:p>
-          <a:p>
-            <a:pPr marL="0" indent="0">
-              <a:buNone/>
-            </a:pPr>
-            <a:r>
-              <a:rPr lang="zh-CN" altLang="en-US" sz="2000"/>
-              <a:t>  data: {</a:t>
-            </a:r>
-            <a:endParaRPr lang="zh-CN" altLang="en-US" sz="2000"/>
-          </a:p>
-          <a:p>
-            <a:pPr marL="0" indent="0">
-              <a:buNone/>
-            </a:pPr>
-            <a:r>
-              <a:rPr lang="zh-CN" altLang="en-US" sz="2000"/>
-              <a:t>   </a:t>
-            </a:r>
-            <a:r>
-              <a:rPr lang="zh-CN" altLang="en-US" sz="2000">
-                <a:solidFill>
-                  <a:srgbClr val="00B050"/>
-                </a:solidFill>
-              </a:rPr>
-              <a:t> </a:t>
-            </a:r>
-            <a:r>
-              <a:rPr lang="zh-CN" altLang="en-US">
-                <a:solidFill>
-                  <a:srgbClr val="00B050"/>
-                </a:solidFill>
-              </a:rPr>
-              <a:t>message</a:t>
-            </a:r>
-            <a:r>
-              <a:rPr lang="zh-CN" altLang="en-US" sz="2000"/>
-              <a:t>: 'Hello Vue.js!'</a:t>
-            </a:r>
-            <a:endParaRPr lang="zh-CN" altLang="en-US" sz="2000"/>
-          </a:p>
-          <a:p>
-            <a:pPr marL="0" indent="0">
-              <a:buNone/>
-            </a:pPr>
-            <a:r>
-              <a:rPr lang="zh-CN" altLang="en-US" sz="2000"/>
-              <a:t>  }</a:t>
-            </a:r>
-            <a:endParaRPr lang="zh-CN" altLang="en-US" sz="2000"/>
-          </a:p>
-          <a:p>
-            <a:pPr marL="0" indent="0">
-              <a:buNone/>
-            </a:pPr>
-            <a:r>
-              <a:rPr lang="zh-CN" altLang="en-US" sz="2000"/>
-              <a:t>})</a:t>
-            </a:r>
-            <a:endParaRPr lang="zh-CN" altLang="en-US" sz="2000"/>
-          </a:p>
-          <a:p>
-            <a:pPr marL="0" indent="0">
-              <a:buNone/>
-            </a:pPr>
-            <a:r>
-              <a:rPr lang="zh-CN" altLang="en-US" sz="2000"/>
-              <a:t>&lt;/script&gt;</a:t>
-            </a:r>
-            <a:endParaRPr lang="zh-CN" altLang="en-US" sz="2000"/>
-          </a:p>
-        </p:txBody>
-      </p:sp>
-    </p:spTree>
-    <p:custDataLst>
-      <p:tags r:id="rId1"/>
-    </p:custDataLst>
-  </p:cSld>
-  <p:clrMapOvr>
-    <a:masterClrMapping/>
-  </p:clrMapOvr>
-</p:sld>
-</file>
-
-<file path=ppt/slides/slide7.xml><?xml version="1.0" encoding="utf-8"?>
-<p:sld xmlns:a="http://schemas.openxmlformats.org/drawingml/2006/main" xmlns:r="http://schemas.openxmlformats.org/officeDocument/2006/relationships" xmlns:p="http://schemas.openxmlformats.org/presentationml/2006/main">
-  <p:cSld>
-    <p:spTree>
-      <p:nvGrpSpPr>
-        <p:cNvPr id="1" name=""/>
-        <p:cNvGrpSpPr/>
-        <p:nvPr/>
-      </p:nvGrpSpPr>
-      <p:grpSpPr/>
-      <p:sp>
-        <p:nvSpPr>
-          <p:cNvPr id="3" name="内容占位符 2"/>
-          <p:cNvSpPr>
-            <a:spLocks noGrp="1"/>
-          </p:cNvSpPr>
-          <p:nvPr>
-            <p:ph idx="1"/>
-          </p:nvPr>
-        </p:nvSpPr>
-        <p:spPr>
-          <a:xfrm>
-            <a:off x="1706880" y="1271905"/>
-            <a:ext cx="8317230" cy="5278755"/>
-          </a:xfrm>
-        </p:spPr>
-        <p:txBody>
-          <a:bodyPr>
-            <a:noAutofit/>
-          </a:bodyPr>
-          <a:p>
-            <a:pPr marL="0" indent="0">
-              <a:buNone/>
-            </a:pPr>
-            <a:r>
-              <a:rPr lang="en-US" altLang="zh-CN" sz="1600"/>
-              <a:t>&lt;div id="app"&gt; &lt;ol&gt;</a:t>
-            </a:r>
-            <a:endParaRPr lang="en-US" altLang="zh-CN" sz="1600"/>
-          </a:p>
-          <a:p>
-            <a:pPr marL="0" indent="0">
-              <a:buNone/>
-            </a:pPr>
-            <a:r>
-              <a:rPr lang="en-US" altLang="zh-CN" sz="1600"/>
-              <a:t>    &lt;li </a:t>
-            </a:r>
-            <a:r>
-              <a:rPr lang="en-US" altLang="zh-CN" sz="1600">
-                <a:solidFill>
-                  <a:srgbClr val="FF0000"/>
-                </a:solidFill>
-              </a:rPr>
-              <a:t>v-for</a:t>
-            </a:r>
-            <a:r>
-              <a:rPr lang="en-US" altLang="zh-CN" sz="1600"/>
-              <a:t>="site in sites"&gt;</a:t>
-            </a:r>
-            <a:endParaRPr lang="en-US" altLang="zh-CN" sz="1600"/>
-          </a:p>
-          <a:p>
-            <a:pPr marL="0" indent="0">
-              <a:buNone/>
-            </a:pPr>
-            <a:r>
-              <a:rPr lang="en-US" altLang="zh-CN" sz="1600"/>
-              <a:t>      {{ site.name }}</a:t>
-            </a:r>
-            <a:endParaRPr lang="en-US" altLang="zh-CN" sz="1600"/>
-          </a:p>
-          <a:p>
-            <a:pPr marL="0" indent="0">
-              <a:buNone/>
-            </a:pPr>
-            <a:r>
-              <a:rPr lang="en-US" altLang="zh-CN" sz="1600"/>
-              <a:t>    &lt;/li&gt;</a:t>
-            </a:r>
-            <a:endParaRPr lang="en-US" altLang="zh-CN" sz="1600"/>
-          </a:p>
-          <a:p>
-            <a:pPr marL="0" indent="0">
-              <a:buNone/>
-            </a:pPr>
-            <a:r>
-              <a:rPr lang="en-US" altLang="zh-CN" sz="1600"/>
-              <a:t>  &lt;/ol&gt;&lt;/div&gt; </a:t>
-            </a:r>
-            <a:endParaRPr lang="en-US" altLang="zh-CN" sz="1600"/>
-          </a:p>
-          <a:p>
-            <a:pPr marL="0" indent="0">
-              <a:buNone/>
-            </a:pPr>
-            <a:r>
-              <a:rPr lang="en-US" altLang="zh-CN" sz="1600"/>
-              <a:t>&lt;script&gt;</a:t>
-            </a:r>
-            <a:endParaRPr lang="en-US" altLang="zh-CN" sz="1600"/>
-          </a:p>
-          <a:p>
-            <a:pPr marL="0" indent="0">
-              <a:buNone/>
-            </a:pPr>
-            <a:r>
-              <a:rPr lang="en-US" altLang="zh-CN" sz="1600"/>
-              <a:t>var vm=new Vue({</a:t>
-            </a:r>
-            <a:endParaRPr lang="en-US" altLang="zh-CN" sz="1600"/>
-          </a:p>
-          <a:p>
-            <a:pPr marL="0" indent="0">
-              <a:buNone/>
-            </a:pPr>
-            <a:r>
-              <a:rPr lang="en-US" altLang="zh-CN" sz="1600"/>
-              <a:t>  el: '#app',</a:t>
-            </a:r>
-            <a:endParaRPr lang="en-US" altLang="zh-CN" sz="1600"/>
-          </a:p>
-          <a:p>
-            <a:pPr marL="0" indent="0">
-              <a:buNone/>
-            </a:pPr>
-            <a:r>
-              <a:rPr lang="en-US" altLang="zh-CN" sz="1600"/>
-              <a:t>  data: {</a:t>
-            </a:r>
-            <a:endParaRPr lang="en-US" altLang="zh-CN" sz="1600"/>
-          </a:p>
-          <a:p>
-            <a:pPr marL="0" indent="0">
-              <a:buNone/>
-            </a:pPr>
-            <a:r>
-              <a:rPr lang="en-US" altLang="zh-CN" sz="1600"/>
-              <a:t>    sites: [</a:t>
-            </a:r>
-            <a:endParaRPr lang="en-US" altLang="zh-CN" sz="1600"/>
-          </a:p>
-          <a:p>
-            <a:pPr marL="0" indent="0">
-              <a:buNone/>
-            </a:pPr>
-            <a:r>
-              <a:rPr lang="en-US" altLang="zh-CN" sz="1600"/>
-              <a:t>      { name: 'Runoob' },</a:t>
-            </a:r>
-            <a:endParaRPr lang="en-US" altLang="zh-CN" sz="1600"/>
-          </a:p>
-          <a:p>
-            <a:pPr marL="0" indent="0">
-              <a:buNone/>
-            </a:pPr>
-            <a:r>
-              <a:rPr lang="en-US" altLang="zh-CN" sz="1600"/>
-              <a:t>      { name: 'Google' },</a:t>
-            </a:r>
-            <a:endParaRPr lang="en-US" altLang="zh-CN" sz="1600"/>
-          </a:p>
-          <a:p>
-            <a:pPr marL="0" indent="0">
-              <a:buNone/>
-            </a:pPr>
-            <a:r>
-              <a:rPr lang="en-US" altLang="zh-CN" sz="1600"/>
-              <a:t>      { name: 'Taobao' }</a:t>
-            </a:r>
-            <a:endParaRPr lang="en-US" altLang="zh-CN" sz="1600"/>
-          </a:p>
-          <a:p>
-            <a:pPr marL="0" indent="0">
-              <a:buNone/>
-            </a:pPr>
-            <a:r>
-              <a:rPr lang="en-US" altLang="zh-CN" sz="1600"/>
-              <a:t>    ]</a:t>
-            </a:r>
-            <a:endParaRPr lang="en-US" altLang="zh-CN" sz="1600"/>
-          </a:p>
-          <a:p>
-            <a:pPr marL="0" indent="0">
-              <a:buNone/>
-            </a:pPr>
-            <a:r>
-              <a:rPr lang="en-US" altLang="zh-CN" sz="1600"/>
-              <a:t>  }</a:t>
-            </a:r>
-            <a:endParaRPr lang="en-US" altLang="zh-CN" sz="1600"/>
-          </a:p>
-          <a:p>
-            <a:pPr marL="0" indent="0">
-              <a:buNone/>
-            </a:pPr>
-            <a:r>
-              <a:rPr lang="en-US" altLang="zh-CN" sz="1600"/>
-              <a:t>})</a:t>
-            </a:r>
-            <a:endParaRPr lang="en-US" altLang="zh-CN" sz="1600"/>
-          </a:p>
-          <a:p>
-            <a:pPr marL="0" indent="0">
-              <a:buNone/>
-            </a:pPr>
-            <a:r>
-              <a:rPr lang="en-US" altLang="zh-CN" sz="1600"/>
-              <a:t>&lt;/script&gt;</a:t>
-            </a:r>
-            <a:endParaRPr lang="en-US" altLang="zh-CN" sz="1600"/>
-          </a:p>
-        </p:txBody>
-      </p:sp>
-      <p:sp>
-        <p:nvSpPr>
-          <p:cNvPr id="6" name="标题 5"/>
-          <p:cNvSpPr>
-            <a:spLocks noGrp="1"/>
-          </p:cNvSpPr>
-          <p:nvPr>
-            <p:ph type="title"/>
-          </p:nvPr>
-        </p:nvSpPr>
-        <p:spPr>
-          <a:xfrm>
-            <a:off x="838200" y="548640"/>
-            <a:ext cx="10515600" cy="898525"/>
-          </a:xfrm>
-        </p:spPr>
-        <p:txBody>
-          <a:bodyPr>
-            <a:normAutofit/>
-          </a:bodyPr>
-          <a:p>
-            <a:r>
-              <a:rPr lang="en-US" altLang="zh-CN"/>
-              <a:t>2.2  v-for</a:t>
-            </a:r>
-            <a:r>
-              <a:rPr lang="zh-CN" altLang="en-US"/>
-              <a:t>例子</a:t>
-            </a:r>
-            <a:endParaRPr lang="zh-CN" altLang="en-US"/>
-          </a:p>
-        </p:txBody>
-      </p:sp>
-    </p:spTree>
-    <p:custDataLst>
-      <p:tags r:id="rId1"/>
-    </p:custDataLst>
-  </p:cSld>
-  <p:clrMapOvr>
-    <a:masterClrMapping/>
-  </p:clrMapOvr>
-</p:sld>
-</file>
-
-<file path=ppt/slides/slide8.xml><?xml version="1.0" encoding="utf-8"?>
-<p:sld xmlns:a="http://schemas.openxmlformats.org/drawingml/2006/main" xmlns:r="http://schemas.openxmlformats.org/officeDocument/2006/relationships" xmlns:p="http://schemas.openxmlformats.org/presentationml/2006/main">
-  <p:cSld>
-    <p:spTree>
-      <p:nvGrpSpPr>
-        <p:cNvPr id="1" name=""/>
-        <p:cNvGrpSpPr/>
-        <p:nvPr/>
-      </p:nvGrpSpPr>
-      <p:grpSpPr/>
-      <p:sp>
-        <p:nvSpPr>
-          <p:cNvPr id="3" name="内容占位符 2"/>
-          <p:cNvSpPr>
-            <a:spLocks noGrp="1"/>
-          </p:cNvSpPr>
-          <p:nvPr>
-            <p:ph idx="1"/>
-          </p:nvPr>
-        </p:nvSpPr>
-        <p:spPr>
-          <a:xfrm>
-            <a:off x="1494790" y="1734820"/>
-            <a:ext cx="10045065" cy="4497070"/>
-          </a:xfrm>
-        </p:spPr>
-        <p:txBody>
-          <a:bodyPr>
-            <a:normAutofit/>
-          </a:bodyPr>
-          <a:p>
-            <a:pPr marL="0" indent="0">
-              <a:buNone/>
-            </a:pPr>
-            <a:r>
-              <a:rPr lang="en-US" altLang="zh-CN"/>
-              <a:t>1.v-if v-else</a:t>
-            </a:r>
-            <a:endParaRPr lang="en-US" altLang="zh-CN"/>
-          </a:p>
-          <a:p>
-            <a:pPr marL="0" indent="0">
-              <a:buNone/>
-            </a:pPr>
-            <a:r>
-              <a:rPr lang="en-US" altLang="zh-CN"/>
-              <a:t>2.v-show</a:t>
-            </a:r>
-            <a:endParaRPr lang="en-US" altLang="zh-CN"/>
-          </a:p>
-          <a:p>
-            <a:pPr marL="0" indent="0">
-              <a:buNone/>
-            </a:pPr>
-            <a:r>
-              <a:rPr lang="en-US" altLang="zh-CN"/>
-              <a:t>3.v-text v-html</a:t>
-            </a:r>
-            <a:endParaRPr lang="en-US" altLang="zh-CN"/>
-          </a:p>
-          <a:p>
-            <a:pPr marL="0" indent="0">
-              <a:buNone/>
-            </a:pPr>
-            <a:r>
-              <a:rPr lang="en-US" altLang="zh-CN"/>
-              <a:t>4.v-for</a:t>
-            </a:r>
-            <a:endParaRPr lang="en-US" altLang="zh-CN"/>
-          </a:p>
-          <a:p>
-            <a:pPr marL="0" indent="0">
-              <a:buNone/>
-            </a:pPr>
-            <a:r>
-              <a:rPr lang="en-US" altLang="zh-CN"/>
-              <a:t>5.v-bind </a:t>
-            </a:r>
-            <a:endParaRPr lang="en-US" altLang="zh-CN"/>
-          </a:p>
-          <a:p>
-            <a:pPr marL="0" indent="0">
-              <a:buNone/>
-            </a:pPr>
-            <a:r>
-              <a:rPr lang="en-US" altLang="zh-CN"/>
-              <a:t>6.v-on</a:t>
-            </a:r>
-            <a:endParaRPr lang="en-US" altLang="zh-CN"/>
-          </a:p>
-          <a:p>
-            <a:pPr marL="0" indent="0">
-              <a:buNone/>
-            </a:pPr>
-            <a:r>
-              <a:rPr lang="en-US" altLang="zh-CN"/>
-              <a:t>7.v-model</a:t>
-            </a:r>
-            <a:endParaRPr lang="en-US" altLang="zh-CN"/>
-          </a:p>
-          <a:p>
-            <a:pPr marL="0" indent="0">
-              <a:buNone/>
-            </a:pPr>
-            <a:endParaRPr lang="en-US" altLang="zh-CN"/>
-          </a:p>
-          <a:p>
-            <a:pPr marL="0" indent="0">
-              <a:buNone/>
-            </a:pPr>
-            <a:r>
-              <a:rPr lang="zh-CN" altLang="en-US"/>
-              <a:t>参考链接</a:t>
-            </a:r>
-            <a:r>
-              <a:rPr lang="en-US" altLang="zh-CN"/>
-              <a:t>:https://blog.csdn.net/qq_22182989/article/details/94393963</a:t>
-            </a:r>
-            <a:endParaRPr lang="en-US" altLang="zh-CN"/>
-          </a:p>
-        </p:txBody>
-      </p:sp>
-      <p:sp>
-        <p:nvSpPr>
-          <p:cNvPr id="6" name="标题 5"/>
-          <p:cNvSpPr>
-            <a:spLocks noGrp="1"/>
-          </p:cNvSpPr>
-          <p:nvPr>
-            <p:ph type="title"/>
-          </p:nvPr>
-        </p:nvSpPr>
-        <p:spPr>
-          <a:xfrm>
-            <a:off x="838200" y="548640"/>
-            <a:ext cx="10515600" cy="898525"/>
-          </a:xfrm>
-        </p:spPr>
-        <p:txBody>
-          <a:bodyPr>
-            <a:normAutofit/>
-          </a:bodyPr>
-          <a:p>
-            <a:r>
-              <a:rPr lang="en-US" altLang="zh-CN"/>
-              <a:t>2.3  Vue</a:t>
-            </a:r>
-            <a:r>
-              <a:rPr lang="zh-CN" altLang="en-US"/>
-              <a:t>常用指令</a:t>
-            </a:r>
-            <a:endParaRPr lang="zh-CN" altLang="en-US"/>
-          </a:p>
-        </p:txBody>
-      </p:sp>
-    </p:spTree>
-    <p:custDataLst>
-      <p:tags r:id="rId1"/>
-    </p:custDataLst>
-  </p:cSld>
-  <p:clrMapOvr>
-    <a:masterClrMapping/>
-  </p:clrMapOvr>
-</p:sld>
-</file>
-
-<file path=ppt/slides/slide9.xml><?xml version="1.0" encoding="utf-8"?>
-<p:sld xmlns:a="http://schemas.openxmlformats.org/drawingml/2006/main" xmlns:r="http://schemas.openxmlformats.org/officeDocument/2006/relationships" xmlns:p="http://schemas.openxmlformats.org/presentationml/2006/main">
-  <p:cSld>
-    <p:spTree>
-      <p:nvGrpSpPr>
-        <p:cNvPr id="1" name=""/>
-        <p:cNvGrpSpPr/>
-        <p:nvPr/>
-      </p:nvGrpSpPr>
-      <p:grpSpPr/>
-      <p:sp>
-        <p:nvSpPr>
-          <p:cNvPr id="6" name="标题 5"/>
-          <p:cNvSpPr>
-            <a:spLocks noGrp="1"/>
-          </p:cNvSpPr>
-          <p:nvPr>
-            <p:ph type="title"/>
-          </p:nvPr>
-        </p:nvSpPr>
-        <p:spPr>
-          <a:xfrm>
-            <a:off x="838200" y="548640"/>
-            <a:ext cx="10515600" cy="898525"/>
-          </a:xfrm>
-        </p:spPr>
-        <p:txBody>
-          <a:bodyPr>
-            <a:normAutofit/>
-          </a:bodyPr>
-          <a:p>
-            <a:r>
-              <a:rPr lang="en-US" altLang="zh-CN"/>
-              <a:t>3.1  </a:t>
-            </a:r>
-            <a:r>
-              <a:rPr lang="zh-CN" altLang="en-US"/>
-              <a:t>生命周期钩子</a:t>
-            </a:r>
-            <a:endParaRPr lang="zh-CN" altLang="en-US"/>
-          </a:p>
-        </p:txBody>
-      </p:sp>
-      <p:sp>
-        <p:nvSpPr>
-          <p:cNvPr id="5" name="内容占位符 4"/>
-          <p:cNvSpPr>
-            <a:spLocks noGrp="1"/>
-          </p:cNvSpPr>
-          <p:nvPr>
-            <p:ph idx="1"/>
-          </p:nvPr>
-        </p:nvSpPr>
-        <p:spPr>
-          <a:xfrm>
-            <a:off x="1612265" y="1715135"/>
-            <a:ext cx="3281680" cy="4497070"/>
-          </a:xfrm>
-        </p:spPr>
-        <p:txBody>
-          <a:bodyPr>
-            <a:normAutofit/>
-          </a:bodyPr>
-          <a:p>
-            <a:pPr marL="0" indent="0">
-              <a:buNone/>
-            </a:pPr>
-            <a:r>
-              <a:rPr lang="zh-CN" altLang="en-US">
-                <a:hlinkClick r:id="rId1" action="ppaction://hlinkfile"/>
-              </a:rPr>
-              <a:t>官网地址</a:t>
-            </a:r>
-            <a:r>
-              <a:rPr lang="en-US" altLang="zh-CN">
-                <a:hlinkClick r:id="rId1" action="ppaction://hlinkfile"/>
-              </a:rPr>
-              <a:t>:</a:t>
-            </a:r>
-            <a:endParaRPr lang="en-US" altLang="zh-CN"/>
-          </a:p>
-          <a:p>
-            <a:pPr marL="0" indent="0">
-              <a:buNone/>
-            </a:pPr>
-            <a:r>
-              <a:rPr lang="en-US" altLang="zh-CN"/>
-              <a:t>1.beforeCreate</a:t>
-            </a:r>
-            <a:endParaRPr lang="en-US" altLang="zh-CN"/>
-          </a:p>
-          <a:p>
-            <a:pPr marL="0" indent="0">
-              <a:buNone/>
-            </a:pPr>
-            <a:r>
-              <a:rPr lang="en-US" altLang="zh-CN"/>
-              <a:t>2.created</a:t>
-            </a:r>
-            <a:endParaRPr lang="en-US" altLang="zh-CN"/>
-          </a:p>
-          <a:p>
-            <a:pPr marL="0" indent="0">
-              <a:buNone/>
-            </a:pPr>
-            <a:r>
-              <a:rPr lang="en-US" altLang="zh-CN"/>
-              <a:t>3.</a:t>
-            </a:r>
-            <a:r>
-              <a:rPr lang="en-US" altLang="zh-CN">
-                <a:sym typeface="+mn-ea"/>
-              </a:rPr>
-              <a:t>beforeMount</a:t>
-            </a:r>
-            <a:endParaRPr lang="en-US" altLang="zh-CN"/>
-          </a:p>
-          <a:p>
-            <a:pPr marL="0" indent="0">
-              <a:buNone/>
-            </a:pPr>
-            <a:r>
-              <a:rPr lang="en-US" altLang="zh-CN"/>
-              <a:t>4.mounted   </a:t>
-            </a:r>
-            <a:endParaRPr lang="en-US" altLang="zh-CN"/>
-          </a:p>
-          <a:p>
-            <a:pPr marL="0" indent="0">
-              <a:buNone/>
-            </a:pPr>
-            <a:r>
-              <a:rPr lang="en-US" altLang="zh-CN"/>
-              <a:t>5.</a:t>
-            </a:r>
-            <a:r>
-              <a:rPr lang="en-US" altLang="zh-CN">
-                <a:sym typeface="+mn-ea"/>
-              </a:rPr>
-              <a:t>beforeUpdate</a:t>
-            </a:r>
-            <a:endParaRPr lang="en-US" altLang="zh-CN"/>
-          </a:p>
-          <a:p>
-            <a:pPr marL="0" indent="0">
-              <a:buNone/>
-            </a:pPr>
-            <a:r>
-              <a:rPr lang="en-US" altLang="zh-CN"/>
-              <a:t>6.updated</a:t>
-            </a:r>
-            <a:endParaRPr lang="en-US" altLang="zh-CN"/>
-          </a:p>
-          <a:p>
-            <a:pPr marL="0" indent="0">
-              <a:buNone/>
-            </a:pPr>
-            <a:r>
-              <a:rPr lang="en-US" altLang="zh-CN"/>
-              <a:t>7.</a:t>
-            </a:r>
-            <a:r>
-              <a:rPr lang="en-US" altLang="zh-CN">
-                <a:sym typeface="+mn-ea"/>
-              </a:rPr>
-              <a:t>beforeDestory</a:t>
-            </a:r>
-            <a:endParaRPr lang="en-US" altLang="zh-CN">
-              <a:sym typeface="+mn-ea"/>
-            </a:endParaRPr>
-          </a:p>
-          <a:p>
-            <a:pPr marL="0" indent="0">
-              <a:buNone/>
-            </a:pPr>
-            <a:r>
-              <a:rPr lang="en-US" altLang="zh-CN">
-                <a:sym typeface="+mn-ea"/>
-              </a:rPr>
-              <a:t>8.destory</a:t>
-            </a:r>
-            <a:endParaRPr lang="en-US" altLang="zh-CN"/>
-          </a:p>
-        </p:txBody>
-      </p:sp>
-      <p:sp>
-        <p:nvSpPr>
-          <p:cNvPr id="7" name="内容占位符 4"/>
-          <p:cNvSpPr>
-            <a:spLocks noGrp="1"/>
-          </p:cNvSpPr>
-          <p:nvPr/>
-        </p:nvSpPr>
-        <p:spPr>
-          <a:xfrm>
-            <a:off x="6039485" y="1715135"/>
-            <a:ext cx="3281680" cy="4497070"/>
-          </a:xfrm>
-          <a:prstGeom prst="rect">
-            <a:avLst/>
-          </a:prstGeom>
-        </p:spPr>
-        <p:txBody>
-          <a:bodyPr vert="horz" lIns="91440" tIns="45720" rIns="91440" bIns="45720" rtlCol="0">
-            <a:normAutofit/>
-          </a:bodyPr>
-          <a:lstStyle>
-            <a:lvl1pPr marL="228600" indent="-228600" algn="l" defTabSz="914400" rtl="0" eaLnBrk="1" latinLnBrk="0" hangingPunct="1">
-              <a:lnSpc>
-                <a:spcPct val="90000"/>
-              </a:lnSpc>
-              <a:spcBef>
-                <a:spcPts val="1000"/>
-              </a:spcBef>
-              <a:buFont typeface="Arial" panose="020B0604020202090204" pitchFamily="34" charset="0"/>
-              <a:buChar char="•"/>
-              <a:defRPr sz="2400" kern="1200">
-                <a:solidFill>
-                  <a:schemeClr val="tx1"/>
-                </a:solidFill>
-                <a:latin typeface="+mn-lt"/>
-                <a:ea typeface="+mn-ea"/>
-                <a:cs typeface="+mn-cs"/>
-              </a:defRPr>
-            </a:lvl1pPr>
-            <a:lvl2pPr marL="685800" indent="-228600" algn="l" defTabSz="914400" rtl="0" eaLnBrk="1" latinLnBrk="0" hangingPunct="1">
-              <a:lnSpc>
-                <a:spcPct val="90000"/>
-              </a:lnSpc>
-              <a:spcBef>
-                <a:spcPts val="500"/>
-              </a:spcBef>
-              <a:buFont typeface="Arial" panose="020B0604020202090204" pitchFamily="34" charset="0"/>
-              <a:buChar char="•"/>
-              <a:defRPr sz="2000" kern="1200">
-                <a:solidFill>
-                  <a:schemeClr val="tx1"/>
-                </a:solidFill>
-                <a:latin typeface="+mn-lt"/>
-                <a:ea typeface="+mn-ea"/>
-                <a:cs typeface="+mn-cs"/>
-              </a:defRPr>
-            </a:lvl2pPr>
-            <a:lvl3pPr marL="1143000" indent="-228600" algn="l" defTabSz="914400" rtl="0" eaLnBrk="1" latinLnBrk="0" hangingPunct="1">
-              <a:lnSpc>
-                <a:spcPct val="90000"/>
-              </a:lnSpc>
-              <a:spcBef>
-                <a:spcPts val="500"/>
-              </a:spcBef>
-              <a:buFont typeface="Arial" panose="020B0604020202090204" pitchFamily="34" charset="0"/>
-              <a:buChar char="•"/>
-              <a:defRPr sz="1800" kern="1200">
-                <a:solidFill>
-                  <a:schemeClr val="tx1"/>
-                </a:solidFill>
-                <a:latin typeface="+mn-lt"/>
-                <a:ea typeface="+mn-ea"/>
-                <a:cs typeface="+mn-cs"/>
-              </a:defRPr>
-            </a:lvl3pPr>
-            <a:lvl4pPr marL="1600200" indent="-228600" algn="l" defTabSz="914400" rtl="0" eaLnBrk="1" latinLnBrk="0" hangingPunct="1">
-              <a:lnSpc>
-                <a:spcPct val="90000"/>
-              </a:lnSpc>
-              <a:spcBef>
-                <a:spcPts val="500"/>
-              </a:spcBef>
-              <a:buFont typeface="Arial" panose="020B0604020202090204" pitchFamily="34" charset="0"/>
-              <a:buChar char="•"/>
-              <a:defRPr sz="1800" kern="1200">
-                <a:solidFill>
-                  <a:schemeClr val="tx1"/>
-                </a:solidFill>
-                <a:latin typeface="+mn-lt"/>
-                <a:ea typeface="+mn-ea"/>
-                <a:cs typeface="+mn-cs"/>
-              </a:defRPr>
-            </a:lvl4pPr>
-            <a:lvl5pPr marL="2057400" indent="-228600" algn="l" defTabSz="914400" rtl="0" eaLnBrk="1" latinLnBrk="0" hangingPunct="1">
-              <a:lnSpc>
-                <a:spcPct val="90000"/>
-              </a:lnSpc>
-              <a:spcBef>
-                <a:spcPts val="500"/>
-              </a:spcBef>
-              <a:buFont typeface="Arial" panose="020B0604020202090204" pitchFamily="34" charset="0"/>
-              <a:buChar char="•"/>
-              <a:defRPr sz="1800" kern="1200">
-                <a:solidFill>
-                  <a:schemeClr val="tx1"/>
-                </a:solidFill>
-                <a:latin typeface="+mn-lt"/>
-                <a:ea typeface="+mn-ea"/>
-                <a:cs typeface="+mn-cs"/>
-              </a:defRPr>
-            </a:lvl5pPr>
-            <a:lvl6pPr marL="2514600" indent="-228600" algn="l" defTabSz="914400" rtl="0" eaLnBrk="1" latinLnBrk="0" hangingPunct="1">
-              <a:lnSpc>
-                <a:spcPct val="90000"/>
-              </a:lnSpc>
-              <a:spcBef>
-                <a:spcPts val="500"/>
-              </a:spcBef>
-              <a:buFont typeface="Arial" panose="020B0604020202090204" pitchFamily="34" charset="0"/>
-              <a:buChar char="•"/>
-              <a:defRPr sz="1800" kern="1200">
-                <a:solidFill>
-                  <a:schemeClr val="tx1"/>
-                </a:solidFill>
-                <a:latin typeface="+mn-lt"/>
-                <a:ea typeface="+mn-ea"/>
-                <a:cs typeface="+mn-cs"/>
-              </a:defRPr>
-            </a:lvl6pPr>
-            <a:lvl7pPr marL="2971800" indent="-228600" algn="l" defTabSz="914400" rtl="0" eaLnBrk="1" latinLnBrk="0" hangingPunct="1">
-              <a:lnSpc>
-                <a:spcPct val="90000"/>
-              </a:lnSpc>
-              <a:spcBef>
-                <a:spcPts val="500"/>
-              </a:spcBef>
-              <a:buFont typeface="Arial" panose="020B0604020202090204" pitchFamily="34" charset="0"/>
-              <a:buChar char="•"/>
-              <a:defRPr sz="1800" kern="1200">
-                <a:solidFill>
-                  <a:schemeClr val="tx1"/>
-                </a:solidFill>
-                <a:latin typeface="+mn-lt"/>
-                <a:ea typeface="+mn-ea"/>
-                <a:cs typeface="+mn-cs"/>
-              </a:defRPr>
-            </a:lvl7pPr>
-            <a:lvl8pPr marL="3429000" indent="-228600" algn="l" defTabSz="914400" rtl="0" eaLnBrk="1" latinLnBrk="0" hangingPunct="1">
-              <a:lnSpc>
-                <a:spcPct val="90000"/>
-              </a:lnSpc>
-              <a:spcBef>
-                <a:spcPts val="500"/>
-              </a:spcBef>
-              <a:buFont typeface="Arial" panose="020B0604020202090204" pitchFamily="34" charset="0"/>
-              <a:buChar char="•"/>
-              <a:defRPr sz="1800" kern="1200">
-                <a:solidFill>
-                  <a:schemeClr val="tx1"/>
-                </a:solidFill>
-                <a:latin typeface="+mn-lt"/>
-                <a:ea typeface="+mn-ea"/>
-                <a:cs typeface="+mn-cs"/>
-              </a:defRPr>
-            </a:lvl8pPr>
-            <a:lvl9pPr marL="3886200" indent="-228600" algn="l" defTabSz="914400" rtl="0" eaLnBrk="1" latinLnBrk="0" hangingPunct="1">
-              <a:lnSpc>
-                <a:spcPct val="90000"/>
-              </a:lnSpc>
-              <a:spcBef>
-                <a:spcPts val="500"/>
-              </a:spcBef>
-              <a:buFont typeface="Arial" panose="020B0604020202090204" pitchFamily="34" charset="0"/>
-              <a:buChar char="•"/>
-              <a:defRPr sz="1800" kern="1200">
-                <a:solidFill>
-                  <a:schemeClr val="tx1"/>
-                </a:solidFill>
-                <a:latin typeface="+mn-lt"/>
-                <a:ea typeface="+mn-ea"/>
-                <a:cs typeface="+mn-cs"/>
-              </a:defRPr>
-            </a:lvl9pPr>
-          </a:lstStyle>
-          <a:p>
-            <a:pPr marL="0" indent="0">
-              <a:buNone/>
-            </a:pPr>
-            <a:r>
-              <a:rPr lang="zh-CN" altLang="en-US"/>
-              <a:t>扩展：</a:t>
-            </a:r>
-            <a:endParaRPr lang="zh-CN" altLang="en-US"/>
-          </a:p>
-          <a:p>
-            <a:pPr marL="0" indent="0">
-              <a:buNone/>
-            </a:pPr>
-            <a:r>
-              <a:rPr lang="zh-CN" altLang="en-US"/>
-              <a:t>使用</a:t>
-            </a:r>
-            <a:r>
-              <a:rPr lang="en-US" altLang="zh-CN"/>
-              <a:t>keep-alive</a:t>
-            </a:r>
-            <a:r>
-              <a:rPr lang="zh-CN" altLang="en-US"/>
-              <a:t>时</a:t>
-            </a:r>
-            <a:r>
-              <a:rPr lang="en-US" altLang="zh-CN"/>
-              <a:t>:</a:t>
-            </a:r>
-            <a:endParaRPr lang="zh-CN" altLang="en-US"/>
-          </a:p>
-          <a:p>
-            <a:pPr marL="0" indent="0">
-              <a:buNone/>
-            </a:pPr>
-            <a:r>
-              <a:rPr lang="en-US" altLang="zh-CN"/>
-              <a:t>9.actived</a:t>
-            </a:r>
-            <a:endParaRPr lang="en-US" altLang="zh-CN"/>
-          </a:p>
-          <a:p>
-            <a:pPr marL="0" indent="0">
-              <a:buNone/>
-            </a:pPr>
-            <a:r>
-              <a:rPr lang="en-US" altLang="zh-CN"/>
-              <a:t>10.deactived</a:t>
-            </a:r>
-            <a:endParaRPr lang="en-US" altLang="zh-CN"/>
-          </a:p>
-        </p:txBody>
-      </p:sp>
-    </p:spTree>
-    <p:custDataLst>
-      <p:tags r:id="rId2"/>
     </p:custDataLst>
   </p:cSld>
   <p:clrMapOvr>
@@ -10052,6 +9848,76 @@
 
 <file path=ppt/tags/tag10.xml><?xml version="1.0" encoding="utf-8"?>
 <p:tagLst xmlns:p="http://schemas.openxmlformats.org/presentationml/2006/main">
+  <p:tag name="KSO_WM_BEAUTIFY_FLAG" val="#wm#"/>
+  <p:tag name="KSO_WM_TEMPLATE_CATEGORY" val="diagram"/>
+  <p:tag name="KSO_WM_TEMPLATE_INDEX" val="20170229"/>
+</p:tagLst>
+</file>
+
+<file path=ppt/tags/tag11.xml><?xml version="1.0" encoding="utf-8"?>
+<p:tagLst xmlns:p="http://schemas.openxmlformats.org/presentationml/2006/main">
+  <p:tag name="KSO_WM_BEAUTIFY_FLAG" val="#wm#"/>
+  <p:tag name="KSO_WM_TEMPLATE_CATEGORY" val="diagram"/>
+  <p:tag name="KSO_WM_TEMPLATE_INDEX" val="20170229"/>
+</p:tagLst>
+</file>
+
+<file path=ppt/tags/tag12.xml><?xml version="1.0" encoding="utf-8"?>
+<p:tagLst xmlns:p="http://schemas.openxmlformats.org/presentationml/2006/main">
+  <p:tag name="KSO_WM_BEAUTIFY_FLAG" val="#wm#"/>
+  <p:tag name="KSO_WM_TEMPLATE_CATEGORY" val="diagram"/>
+  <p:tag name="KSO_WM_TEMPLATE_INDEX" val="20170229"/>
+</p:tagLst>
+</file>
+
+<file path=ppt/tags/tag13.xml><?xml version="1.0" encoding="utf-8"?>
+<p:tagLst xmlns:p="http://schemas.openxmlformats.org/presentationml/2006/main">
+  <p:tag name="KSO_WM_BEAUTIFY_FLAG" val="#wm#"/>
+  <p:tag name="KSO_WM_TEMPLATE_CATEGORY" val="diagram"/>
+  <p:tag name="KSO_WM_TEMPLATE_INDEX" val="20170229"/>
+</p:tagLst>
+</file>
+
+<file path=ppt/tags/tag14.xml><?xml version="1.0" encoding="utf-8"?>
+<p:tagLst xmlns:p="http://schemas.openxmlformats.org/presentationml/2006/main">
+  <p:tag name="KSO_WM_TAG_VERSION" val="1.0"/>
+  <p:tag name="KSO_WM_BEAUTIFY_FLAG" val="#wm#"/>
+  <p:tag name="KSO_WM_TEMPLATE_CATEGORY" val="diagram"/>
+  <p:tag name="KSO_WM_TEMPLATE_INDEX" val="20170229"/>
+  <p:tag name="KSO_WM_UNIT_TYPE" val="l_h_i"/>
+  <p:tag name="KSO_WM_UNIT_INDEX" val="1_1_1"/>
+  <p:tag name="KSO_WM_UNIT_ID" val="diagram20170229_2*l_h_i*1_1_1"/>
+  <p:tag name="KSO_WM_UNIT_LAYERLEVEL" val="1_1_1"/>
+  <p:tag name="KSO_WM_DIAGRAM_GROUP_CODE" val="l1-1"/>
+  <p:tag name="KSO_WM_UNIT_FILL_FORE_SCHEMECOLOR_INDEX" val="5"/>
+  <p:tag name="KSO_WM_UNIT_FILL_TYPE" val="1"/>
+  <p:tag name="KSO_WM_UNIT_LINE_FORE_SCHEMECOLOR_INDEX" val="5"/>
+  <p:tag name="KSO_WM_UNIT_LINE_FILL_TYPE" val="2"/>
+  <p:tag name="KSO_WM_UNIT_USESOURCEFORMAT_APPLY" val="0"/>
+</p:tagLst>
+</file>
+
+<file path=ppt/tags/tag15.xml><?xml version="1.0" encoding="utf-8"?>
+<p:tagLst xmlns:p="http://schemas.openxmlformats.org/presentationml/2006/main">
+  <p:tag name="KSO_WM_TAG_VERSION" val="1.0"/>
+  <p:tag name="KSO_WM_BEAUTIFY_FLAG" val="#wm#"/>
+  <p:tag name="KSO_WM_TEMPLATE_CATEGORY" val="diagram"/>
+  <p:tag name="KSO_WM_TEMPLATE_INDEX" val="20170229"/>
+  <p:tag name="KSO_WM_UNIT_TYPE" val="l_h_i"/>
+  <p:tag name="KSO_WM_UNIT_INDEX" val="1_1_2"/>
+  <p:tag name="KSO_WM_UNIT_ID" val="diagram20170229_2*l_h_i*1_1_2"/>
+  <p:tag name="KSO_WM_UNIT_LAYERLEVEL" val="1_1_1"/>
+  <p:tag name="KSO_WM_DIAGRAM_GROUP_CODE" val="l1-1"/>
+  <p:tag name="KSO_WM_UNIT_FILL_FORE_SCHEMECOLOR_INDEX" val="7"/>
+  <p:tag name="KSO_WM_UNIT_FILL_TYPE" val="1"/>
+  <p:tag name="KSO_WM_UNIT_TEXT_FILL_FORE_SCHEMECOLOR_INDEX" val="13"/>
+  <p:tag name="KSO_WM_UNIT_TEXT_FILL_TYPE" val="1"/>
+  <p:tag name="KSO_WM_UNIT_USESOURCEFORMAT_APPLY" val="0"/>
+</p:tagLst>
+</file>
+
+<file path=ppt/tags/tag16.xml><?xml version="1.0" encoding="utf-8"?>
+<p:tagLst xmlns:p="http://schemas.openxmlformats.org/presentationml/2006/main">
   <p:tag name="KSO_WM_TAG_VERSION" val="1.0"/>
   <p:tag name="KSO_WM_BEAUTIFY_FLAG" val="#wm#"/>
   <p:tag name="KSO_WM_TEMPLATE_CATEGORY" val="diagram"/>
@@ -10069,7 +9935,7 @@
 </p:tagLst>
 </file>
 
-<file path=ppt/tags/tag11.xml><?xml version="1.0" encoding="utf-8"?>
+<file path=ppt/tags/tag17.xml><?xml version="1.0" encoding="utf-8"?>
 <p:tagLst xmlns:p="http://schemas.openxmlformats.org/presentationml/2006/main">
   <p:tag name="KSO_WM_TAG_VERSION" val="1.0"/>
   <p:tag name="KSO_WM_BEAUTIFY_FLAG" val="#wm#"/>
@@ -10088,7 +9954,7 @@
 </p:tagLst>
 </file>
 
-<file path=ppt/tags/tag12.xml><?xml version="1.0" encoding="utf-8"?>
+<file path=ppt/tags/tag18.xml><?xml version="1.0" encoding="utf-8"?>
 <p:tagLst xmlns:p="http://schemas.openxmlformats.org/presentationml/2006/main">
   <p:tag name="KSO_WM_TAG_VERSION" val="1.0"/>
   <p:tag name="KSO_WM_BEAUTIFY_FLAG" val="#wm#"/>
@@ -10107,7 +9973,7 @@
 </p:tagLst>
 </file>
 
-<file path=ppt/tags/tag13.xml><?xml version="1.0" encoding="utf-8"?>
+<file path=ppt/tags/tag19.xml><?xml version="1.0" encoding="utf-8"?>
 <p:tagLst xmlns:p="http://schemas.openxmlformats.org/presentationml/2006/main">
   <p:tag name="KSO_WM_TAG_VERSION" val="1.0"/>
   <p:tag name="KSO_WM_BEAUTIFY_FLAG" val="#wm#"/>
@@ -10126,7 +9992,15 @@
 </p:tagLst>
 </file>
 
-<file path=ppt/tags/tag14.xml><?xml version="1.0" encoding="utf-8"?>
+<file path=ppt/tags/tag2.xml><?xml version="1.0" encoding="utf-8"?>
+<p:tagLst xmlns:p="http://schemas.openxmlformats.org/presentationml/2006/main">
+  <p:tag name="KSO_WM_TAG_VERSION" val="1.0"/>
+  <p:tag name="KSO_WM_TEMPLATE_CATEGORY" val="custom"/>
+  <p:tag name="KSO_WM_TEMPLATE_INDEX" val="20182842"/>
+</p:tagLst>
+</file>
+
+<file path=ppt/tags/tag20.xml><?xml version="1.0" encoding="utf-8"?>
 <p:tagLst xmlns:p="http://schemas.openxmlformats.org/presentationml/2006/main">
   <p:tag name="KSO_WM_TAG_VERSION" val="1.0"/>
   <p:tag name="KSO_WM_BEAUTIFY_FLAG" val="#wm#"/>
@@ -10145,7 +10019,7 @@
 </p:tagLst>
 </file>
 
-<file path=ppt/tags/tag15.xml><?xml version="1.0" encoding="utf-8"?>
+<file path=ppt/tags/tag21.xml><?xml version="1.0" encoding="utf-8"?>
 <p:tagLst xmlns:p="http://schemas.openxmlformats.org/presentationml/2006/main">
   <p:tag name="KSO_WM_TAG_VERSION" val="1.0"/>
   <p:tag name="KSO_WM_BEAUTIFY_FLAG" val="#wm#"/>
@@ -10164,7 +10038,7 @@
 </p:tagLst>
 </file>
 
-<file path=ppt/tags/tag16.xml><?xml version="1.0" encoding="utf-8"?>
+<file path=ppt/tags/tag22.xml><?xml version="1.0" encoding="utf-8"?>
 <p:tagLst xmlns:p="http://schemas.openxmlformats.org/presentationml/2006/main">
   <p:tag name="KSO_WM_TAG_VERSION" val="1.0"/>
   <p:tag name="KSO_WM_BEAUTIFY_FLAG" val="#wm#"/>
@@ -10183,7 +10057,7 @@
 </p:tagLst>
 </file>
 
-<file path=ppt/tags/tag17.xml><?xml version="1.0" encoding="utf-8"?>
+<file path=ppt/tags/tag23.xml><?xml version="1.0" encoding="utf-8"?>
 <p:tagLst xmlns:p="http://schemas.openxmlformats.org/presentationml/2006/main">
   <p:tag name="KSO_WM_TAG_VERSION" val="1.0"/>
   <p:tag name="KSO_WM_BEAUTIFY_FLAG" val="#wm#"/>
@@ -10202,7 +10076,7 @@
 </p:tagLst>
 </file>
 
-<file path=ppt/tags/tag18.xml><?xml version="1.0" encoding="utf-8"?>
+<file path=ppt/tags/tag24.xml><?xml version="1.0" encoding="utf-8"?>
 <p:tagLst xmlns:p="http://schemas.openxmlformats.org/presentationml/2006/main">
   <p:tag name="KSO_WM_TAG_VERSION" val="1.0"/>
   <p:tag name="KSO_WM_BEAUTIFY_FLAG" val="#wm#"/>
@@ -10225,7 +10099,7 @@
 </p:tagLst>
 </file>
 
-<file path=ppt/tags/tag19.xml><?xml version="1.0" encoding="utf-8"?>
+<file path=ppt/tags/tag25.xml><?xml version="1.0" encoding="utf-8"?>
 <p:tagLst xmlns:p="http://schemas.openxmlformats.org/presentationml/2006/main">
   <p:tag name="KSO_WM_TAG_VERSION" val="1.0"/>
   <p:tag name="KSO_WM_BEAUTIFY_FLAG" val="#wm#"/>
@@ -10244,15 +10118,7 @@
 </p:tagLst>
 </file>
 
-<file path=ppt/tags/tag2.xml><?xml version="1.0" encoding="utf-8"?>
-<p:tagLst xmlns:p="http://schemas.openxmlformats.org/presentationml/2006/main">
-  <p:tag name="KSO_WM_TAG_VERSION" val="1.0"/>
-  <p:tag name="KSO_WM_TEMPLATE_CATEGORY" val="custom"/>
-  <p:tag name="KSO_WM_TEMPLATE_INDEX" val="20182842"/>
-</p:tagLst>
-</file>
-
-<file path=ppt/tags/tag20.xml><?xml version="1.0" encoding="utf-8"?>
+<file path=ppt/tags/tag26.xml><?xml version="1.0" encoding="utf-8"?>
 <p:tagLst xmlns:p="http://schemas.openxmlformats.org/presentationml/2006/main">
   <p:tag name="KSO_WM_TAG_VERSION" val="1.0"/>
   <p:tag name="KSO_WM_BEAUTIFY_FLAG" val="#wm#"/>
@@ -10271,7 +10137,7 @@
 </p:tagLst>
 </file>
 
-<file path=ppt/tags/tag21.xml><?xml version="1.0" encoding="utf-8"?>
+<file path=ppt/tags/tag27.xml><?xml version="1.0" encoding="utf-8"?>
 <p:tagLst xmlns:p="http://schemas.openxmlformats.org/presentationml/2006/main">
   <p:tag name="KSO_WM_TAG_VERSION" val="1.0"/>
   <p:tag name="KSO_WM_BEAUTIFY_FLAG" val="#wm#"/>
@@ -10294,7 +10160,7 @@
 </p:tagLst>
 </file>
 
-<file path=ppt/tags/tag22.xml><?xml version="1.0" encoding="utf-8"?>
+<file path=ppt/tags/tag28.xml><?xml version="1.0" encoding="utf-8"?>
 <p:tagLst xmlns:p="http://schemas.openxmlformats.org/presentationml/2006/main">
   <p:tag name="KSO_WM_TAG_VERSION" val="1.0"/>
   <p:tag name="KSO_WM_BEAUTIFY_FLAG" val="#wm#"/>
@@ -10317,7 +10183,7 @@
 </p:tagLst>
 </file>
 
-<file path=ppt/tags/tag23.xml><?xml version="1.0" encoding="utf-8"?>
+<file path=ppt/tags/tag29.xml><?xml version="1.0" encoding="utf-8"?>
 <p:tagLst xmlns:p="http://schemas.openxmlformats.org/presentationml/2006/main">
   <p:tag name="KSO_WM_TAG_VERSION" val="1.0"/>
   <p:tag name="KSO_WM_BEAUTIFY_FLAG" val="#wm#"/>
@@ -10333,64 +10199,6 @@
   <p:tag name="KSO_WM_UNIT_TEXT_FILL_FORE_SCHEMECOLOR_INDEX" val="7"/>
   <p:tag name="KSO_WM_UNIT_TEXT_FILL_TYPE" val="1"/>
   <p:tag name="KSO_WM_UNIT_USESOURCEFORMAT_APPLY" val="0"/>
-</p:tagLst>
-</file>
-
-<file path=ppt/tags/tag24.xml><?xml version="1.0" encoding="utf-8"?>
-<p:tagLst xmlns:p="http://schemas.openxmlformats.org/presentationml/2006/main">
-  <p:tag name="KSO_WM_BEAUTIFY_FLAG" val="#wm#"/>
-  <p:tag name="KSO_WM_TEMPLATE_CATEGORY" val="diagram"/>
-  <p:tag name="KSO_WM_TEMPLATE_INDEX" val="20170229"/>
-  <p:tag name="KSO_WM_TAG_VERSION" val="1.0"/>
-  <p:tag name="KSO_WM_SLIDE_ITEM_CNT" val="3"/>
-  <p:tag name="KSO_WM_SLIDE_LAYOUT" val="a_l"/>
-  <p:tag name="KSO_WM_SLIDE_LAYOUT_CNT" val="1_1"/>
-  <p:tag name="KSO_WM_SLIDE_TYPE" val="text"/>
-  <p:tag name="KSO_WM_SLIDE_POSITION" val="146*150"/>
-  <p:tag name="KSO_WM_SLIDE_SIZE" val="668*358"/>
-  <p:tag name="KSO_WM_SLIDE_ID" val="diagram20170229_2"/>
-  <p:tag name="KSO_WM_SLIDE_INDEX" val="2"/>
-  <p:tag name="KSO_WM_DIAGRAM_GROUP_CODE" val="l1-1"/>
-</p:tagLst>
-</file>
-
-<file path=ppt/tags/tag25.xml><?xml version="1.0" encoding="utf-8"?>
-<p:tagLst xmlns:p="http://schemas.openxmlformats.org/presentationml/2006/main">
-  <p:tag name="KSO_WM_BEAUTIFY_FLAG" val="#wm#"/>
-  <p:tag name="KSO_WM_TEMPLATE_CATEGORY" val="diagram"/>
-  <p:tag name="KSO_WM_TEMPLATE_INDEX" val="20170229"/>
-</p:tagLst>
-</file>
-
-<file path=ppt/tags/tag26.xml><?xml version="1.0" encoding="utf-8"?>
-<p:tagLst xmlns:p="http://schemas.openxmlformats.org/presentationml/2006/main">
-  <p:tag name="KSO_WM_BEAUTIFY_FLAG" val="#wm#"/>
-  <p:tag name="KSO_WM_TEMPLATE_CATEGORY" val="diagram"/>
-  <p:tag name="KSO_WM_TEMPLATE_INDEX" val="20170229"/>
-</p:tagLst>
-</file>
-
-<file path=ppt/tags/tag27.xml><?xml version="1.0" encoding="utf-8"?>
-<p:tagLst xmlns:p="http://schemas.openxmlformats.org/presentationml/2006/main">
-  <p:tag name="KSO_WM_BEAUTIFY_FLAG" val="#wm#"/>
-  <p:tag name="KSO_WM_TEMPLATE_CATEGORY" val="diagram"/>
-  <p:tag name="KSO_WM_TEMPLATE_INDEX" val="20170229"/>
-</p:tagLst>
-</file>
-
-<file path=ppt/tags/tag28.xml><?xml version="1.0" encoding="utf-8"?>
-<p:tagLst xmlns:p="http://schemas.openxmlformats.org/presentationml/2006/main">
-  <p:tag name="KSO_WM_BEAUTIFY_FLAG" val="#wm#"/>
-  <p:tag name="KSO_WM_TEMPLATE_CATEGORY" val="diagram"/>
-  <p:tag name="KSO_WM_TEMPLATE_INDEX" val="20170229"/>
-</p:tagLst>
-</file>
-
-<file path=ppt/tags/tag29.xml><?xml version="1.0" encoding="utf-8"?>
-<p:tagLst xmlns:p="http://schemas.openxmlformats.org/presentationml/2006/main">
-  <p:tag name="KSO_WM_BEAUTIFY_FLAG" val="#wm#"/>
-  <p:tag name="KSO_WM_TEMPLATE_CATEGORY" val="diagram"/>
-  <p:tag name="KSO_WM_TEMPLATE_INDEX" val="20170229"/>
 </p:tagLst>
 </file>
 
@@ -10414,6 +10222,16 @@
   <p:tag name="KSO_WM_BEAUTIFY_FLAG" val="#wm#"/>
   <p:tag name="KSO_WM_TEMPLATE_CATEGORY" val="diagram"/>
   <p:tag name="KSO_WM_TEMPLATE_INDEX" val="20170229"/>
+  <p:tag name="KSO_WM_TAG_VERSION" val="1.0"/>
+  <p:tag name="KSO_WM_SLIDE_ITEM_CNT" val="3"/>
+  <p:tag name="KSO_WM_SLIDE_LAYOUT" val="a_l"/>
+  <p:tag name="KSO_WM_SLIDE_LAYOUT_CNT" val="1_1"/>
+  <p:tag name="KSO_WM_SLIDE_TYPE" val="text"/>
+  <p:tag name="KSO_WM_SLIDE_POSITION" val="146*150"/>
+  <p:tag name="KSO_WM_SLIDE_SIZE" val="668*358"/>
+  <p:tag name="KSO_WM_SLIDE_ID" val="diagram20170229_2"/>
+  <p:tag name="KSO_WM_SLIDE_INDEX" val="2"/>
+  <p:tag name="KSO_WM_DIAGRAM_GROUP_CODE" val="l1-1"/>
 </p:tagLst>
 </file>
 
@@ -10435,6 +10253,30 @@
 
 <file path=ppt/tags/tag33.xml><?xml version="1.0" encoding="utf-8"?>
 <p:tagLst xmlns:p="http://schemas.openxmlformats.org/presentationml/2006/main">
+  <p:tag name="KSO_WM_BEAUTIFY_FLAG" val="#wm#"/>
+  <p:tag name="KSO_WM_TEMPLATE_CATEGORY" val="diagram"/>
+  <p:tag name="KSO_WM_TEMPLATE_INDEX" val="20170229"/>
+</p:tagLst>
+</file>
+
+<file path=ppt/tags/tag34.xml><?xml version="1.0" encoding="utf-8"?>
+<p:tagLst xmlns:p="http://schemas.openxmlformats.org/presentationml/2006/main">
+  <p:tag name="KSO_WM_BEAUTIFY_FLAG" val="#wm#"/>
+  <p:tag name="KSO_WM_TEMPLATE_CATEGORY" val="diagram"/>
+  <p:tag name="KSO_WM_TEMPLATE_INDEX" val="20170229"/>
+</p:tagLst>
+</file>
+
+<file path=ppt/tags/tag35.xml><?xml version="1.0" encoding="utf-8"?>
+<p:tagLst xmlns:p="http://schemas.openxmlformats.org/presentationml/2006/main">
+  <p:tag name="KSO_WM_BEAUTIFY_FLAG" val="#wm#"/>
+  <p:tag name="KSO_WM_TEMPLATE_CATEGORY" val="diagram"/>
+  <p:tag name="KSO_WM_TEMPLATE_INDEX" val="20170229"/>
+</p:tagLst>
+</file>
+
+<file path=ppt/tags/tag36.xml><?xml version="1.0" encoding="utf-8"?>
+<p:tagLst xmlns:p="http://schemas.openxmlformats.org/presentationml/2006/main">
   <p:tag name="KSO_WM_TEMPLATE_CATEGORY" val="custom"/>
   <p:tag name="KSO_WM_TEMPLATE_INDEX" val="20182842"/>
   <p:tag name="KSO_WM_UNIT_TYPE" val="a"/>
@@ -10452,7 +10294,7 @@
 </p:tagLst>
 </file>
 
-<file path=ppt/tags/tag34.xml><?xml version="1.0" encoding="utf-8"?>
+<file path=ppt/tags/tag37.xml><?xml version="1.0" encoding="utf-8"?>
 <p:tagLst xmlns:p="http://schemas.openxmlformats.org/presentationml/2006/main">
   <p:tag name="KSO_WM_TEMPLATE_CATEGORY" val="custom"/>
   <p:tag name="KSO_WM_TEMPLATE_INDEX" val="20182842"/>
@@ -10532,39 +10374,17 @@
 
 <file path=ppt/tags/tag8.xml><?xml version="1.0" encoding="utf-8"?>
 <p:tagLst xmlns:p="http://schemas.openxmlformats.org/presentationml/2006/main">
-  <p:tag name="KSO_WM_TAG_VERSION" val="1.0"/>
   <p:tag name="KSO_WM_BEAUTIFY_FLAG" val="#wm#"/>
   <p:tag name="KSO_WM_TEMPLATE_CATEGORY" val="diagram"/>
   <p:tag name="KSO_WM_TEMPLATE_INDEX" val="20170229"/>
-  <p:tag name="KSO_WM_UNIT_TYPE" val="l_h_i"/>
-  <p:tag name="KSO_WM_UNIT_INDEX" val="1_1_1"/>
-  <p:tag name="KSO_WM_UNIT_ID" val="diagram20170229_2*l_h_i*1_1_1"/>
-  <p:tag name="KSO_WM_UNIT_LAYERLEVEL" val="1_1_1"/>
-  <p:tag name="KSO_WM_DIAGRAM_GROUP_CODE" val="l1-1"/>
-  <p:tag name="KSO_WM_UNIT_FILL_FORE_SCHEMECOLOR_INDEX" val="5"/>
-  <p:tag name="KSO_WM_UNIT_FILL_TYPE" val="1"/>
-  <p:tag name="KSO_WM_UNIT_LINE_FORE_SCHEMECOLOR_INDEX" val="5"/>
-  <p:tag name="KSO_WM_UNIT_LINE_FILL_TYPE" val="2"/>
-  <p:tag name="KSO_WM_UNIT_USESOURCEFORMAT_APPLY" val="0"/>
 </p:tagLst>
 </file>
 
 <file path=ppt/tags/tag9.xml><?xml version="1.0" encoding="utf-8"?>
 <p:tagLst xmlns:p="http://schemas.openxmlformats.org/presentationml/2006/main">
-  <p:tag name="KSO_WM_TAG_VERSION" val="1.0"/>
   <p:tag name="KSO_WM_BEAUTIFY_FLAG" val="#wm#"/>
   <p:tag name="KSO_WM_TEMPLATE_CATEGORY" val="diagram"/>
   <p:tag name="KSO_WM_TEMPLATE_INDEX" val="20170229"/>
-  <p:tag name="KSO_WM_UNIT_TYPE" val="l_h_i"/>
-  <p:tag name="KSO_WM_UNIT_INDEX" val="1_1_2"/>
-  <p:tag name="KSO_WM_UNIT_ID" val="diagram20170229_2*l_h_i*1_1_2"/>
-  <p:tag name="KSO_WM_UNIT_LAYERLEVEL" val="1_1_1"/>
-  <p:tag name="KSO_WM_DIAGRAM_GROUP_CODE" val="l1-1"/>
-  <p:tag name="KSO_WM_UNIT_FILL_FORE_SCHEMECOLOR_INDEX" val="7"/>
-  <p:tag name="KSO_WM_UNIT_FILL_TYPE" val="1"/>
-  <p:tag name="KSO_WM_UNIT_TEXT_FILL_FORE_SCHEMECOLOR_INDEX" val="13"/>
-  <p:tag name="KSO_WM_UNIT_TEXT_FILL_TYPE" val="1"/>
-  <p:tag name="KSO_WM_UNIT_USESOURCEFORMAT_APPLY" val="0"/>
 </p:tagLst>
 </file>
 
